--- a/Diapo/V2_by_Ch.pptx
+++ b/Diapo/V2_by_Ch.pptx
@@ -217,7 +217,7 @@
           <a:p>
             <a:fld id="{A80E7E6D-8030-4E2A-BC01-E3D22059138A}" type="datetimeFigureOut">
               <a:rPr lang="fr-FR"/>
-              <a:t>24/10/2015</a:t>
+              <a:t>26/10/2015</a:t>
             </a:fld>
             <a:endParaRPr lang="fr-FR"/>
           </a:p>
@@ -1154,7 +1154,7 @@
           <a:p>
             <a:fld id="{F973522D-D31F-4183-804D-3083A3C3396E}" type="datetime1">
               <a:rPr lang="en-US" smtClean="0"/>
-              <a:t>10/24/2015</a:t>
+              <a:t>10/26/2015</a:t>
             </a:fld>
             <a:endParaRPr lang="en-US" dirty="0"/>
           </a:p>
@@ -1463,7 +1463,7 @@
           <a:p>
             <a:fld id="{DDD2D088-8A27-4F08-B1DC-F3AF889E7CA5}" type="datetime1">
               <a:rPr lang="en-US" smtClean="0"/>
-              <a:t>10/24/2015</a:t>
+              <a:t>10/26/2015</a:t>
             </a:fld>
             <a:endParaRPr lang="en-US" dirty="0"/>
           </a:p>
@@ -1724,7 +1724,7 @@
           <a:p>
             <a:fld id="{BE62DA4F-D784-4F30-84DF-FAC9C1E3E7C2}" type="datetime1">
               <a:rPr lang="en-US" smtClean="0"/>
-              <a:t>10/24/2015</a:t>
+              <a:t>10/26/2015</a:t>
             </a:fld>
             <a:endParaRPr lang="en-US" dirty="0"/>
           </a:p>
@@ -2277,7 +2277,7 @@
           <a:p>
             <a:fld id="{605C5E75-09B0-4CF3-B29D-FA3154961405}" type="datetime1">
               <a:rPr lang="en-US" smtClean="0"/>
-              <a:t>10/24/2015</a:t>
+              <a:t>10/26/2015</a:t>
             </a:fld>
             <a:endParaRPr lang="en-US" dirty="0"/>
           </a:p>
@@ -2538,7 +2538,7 @@
           <a:p>
             <a:fld id="{35317F09-1C0A-40DB-A388-B93C1204D6E0}" type="datetime1">
               <a:rPr lang="en-US" smtClean="0"/>
-              <a:t>10/24/2015</a:t>
+              <a:t>10/26/2015</a:t>
             </a:fld>
             <a:endParaRPr lang="en-US" dirty="0"/>
           </a:p>
@@ -3083,7 +3083,7 @@
           <a:p>
             <a:fld id="{E6E1021A-3066-4377-AE46-34451A42DB55}" type="datetime1">
               <a:rPr lang="en-US" smtClean="0"/>
-              <a:t>10/24/2015</a:t>
+              <a:t>10/26/2015</a:t>
             </a:fld>
             <a:endParaRPr lang="en-US" dirty="0"/>
           </a:p>
@@ -3393,7 +3393,7 @@
           <a:p>
             <a:fld id="{B949320D-6610-40B6-943C-2DFE0232E084}" type="datetime1">
               <a:rPr lang="en-US" smtClean="0"/>
-              <a:t>10/24/2015</a:t>
+              <a:t>10/26/2015</a:t>
             </a:fld>
             <a:endParaRPr lang="en-US" dirty="0"/>
           </a:p>
@@ -3580,7 +3580,7 @@
           <a:p>
             <a:fld id="{1961B4AB-37C7-40CC-82D3-4F78CA1E0A6A}" type="datetime1">
               <a:rPr lang="en-US" smtClean="0"/>
-              <a:t>10/24/2015</a:t>
+              <a:t>10/26/2015</a:t>
             </a:fld>
             <a:endParaRPr lang="en-US" dirty="0"/>
           </a:p>
@@ -3773,7 +3773,7 @@
           <a:p>
             <a:fld id="{9AC3C7DC-41E5-43D2-8A30-37B11E328699}" type="datetime1">
               <a:rPr lang="en-US" smtClean="0"/>
-              <a:t>10/24/2015</a:t>
+              <a:t>10/26/2015</a:t>
             </a:fld>
             <a:endParaRPr lang="en-US" dirty="0"/>
           </a:p>
@@ -3956,7 +3956,7 @@
           <a:p>
             <a:fld id="{D520D232-DB26-4972-811B-56E4F5C34BD5}" type="datetime1">
               <a:rPr lang="en-US" smtClean="0"/>
-              <a:t>10/24/2015</a:t>
+              <a:t>10/26/2015</a:t>
             </a:fld>
             <a:endParaRPr lang="en-US" dirty="0"/>
           </a:p>
@@ -4220,7 +4220,7 @@
           <a:p>
             <a:fld id="{7A3A50E2-02F1-4A1A-97FF-C3AB7460C2F8}" type="datetime1">
               <a:rPr lang="en-US" smtClean="0"/>
-              <a:t>10/24/2015</a:t>
+              <a:t>10/26/2015</a:t>
             </a:fld>
             <a:endParaRPr lang="en-US" dirty="0"/>
           </a:p>
@@ -4530,7 +4530,7 @@
           <a:p>
             <a:fld id="{452724BF-7D43-49F3-A455-B267CFDBB957}" type="datetime1">
               <a:rPr lang="en-US" smtClean="0"/>
-              <a:t>10/24/2015</a:t>
+              <a:t>10/26/2015</a:t>
             </a:fld>
             <a:endParaRPr lang="en-US" dirty="0"/>
           </a:p>
@@ -4985,7 +4985,7 @@
           <a:p>
             <a:fld id="{7AD88305-C573-4E09-8C35-EB81A1C8C870}" type="datetime1">
               <a:rPr lang="en-US" smtClean="0"/>
-              <a:t>10/24/2015</a:t>
+              <a:t>10/26/2015</a:t>
             </a:fld>
             <a:endParaRPr lang="en-US" dirty="0"/>
           </a:p>
@@ -5116,7 +5116,7 @@
           <a:p>
             <a:fld id="{DE014D2C-14F0-4454-BC0A-199F41561A83}" type="datetime1">
               <a:rPr lang="en-US" smtClean="0"/>
-              <a:t>10/24/2015</a:t>
+              <a:t>10/26/2015</a:t>
             </a:fld>
             <a:endParaRPr lang="en-US" dirty="0"/>
           </a:p>
@@ -5224,7 +5224,7 @@
           <a:p>
             <a:fld id="{9C13C588-8271-44D7-962D-01FA3F2DCA5A}" type="datetime1">
               <a:rPr lang="en-US" smtClean="0"/>
-              <a:t>10/24/2015</a:t>
+              <a:t>10/26/2015</a:t>
             </a:fld>
             <a:endParaRPr lang="en-US" dirty="0"/>
           </a:p>
@@ -5520,7 +5520,7 @@
           <a:p>
             <a:fld id="{3C30451C-A70E-4957-9B26-768FD7A7E217}" type="datetime1">
               <a:rPr lang="en-US" smtClean="0"/>
-              <a:t>10/24/2015</a:t>
+              <a:t>10/26/2015</a:t>
             </a:fld>
             <a:endParaRPr lang="en-US" dirty="0"/>
           </a:p>
@@ -5824,7 +5824,7 @@
           <a:p>
             <a:fld id="{789179B6-1BCE-47D6-91EB-00107561BC92}" type="datetime1">
               <a:rPr lang="en-US" smtClean="0"/>
-              <a:t>10/24/2015</a:t>
+              <a:t>10/26/2015</a:t>
             </a:fld>
             <a:endParaRPr lang="en-US" dirty="0"/>
           </a:p>
@@ -6367,7 +6367,7 @@
           <a:p>
             <a:fld id="{D949B937-AFD1-40FB-BE02-4616F0CA4D40}" type="datetime1">
               <a:rPr lang="en-US" smtClean="0"/>
-              <a:t>10/24/2015</a:t>
+              <a:t>10/26/2015</a:t>
             </a:fld>
             <a:endParaRPr lang="en-US" dirty="0"/>
           </a:p>
@@ -7825,23 +7825,7 @@
                   </a:innerShdw>
                 </a:effectLst>
               </a:rPr>
-              <a:t>I   – </a:t>
-            </a:r>
-            <a:r>
-              <a:rPr lang="fr-FR" sz="5400" b="1" spc="50" dirty="0" smtClean="0">
-                <a:ln w="0"/>
-                <a:solidFill>
-                  <a:schemeClr val="accent1"/>
-                </a:solidFill>
-                <a:effectLst>
-                  <a:innerShdw blurRad="63500" dist="50800" dir="13500000">
-                    <a:srgbClr val="000000">
-                      <a:alpha val="50000"/>
-                    </a:srgbClr>
-                  </a:innerShdw>
-                </a:effectLst>
-              </a:rPr>
-              <a:t>Présentation générale</a:t>
+              <a:t>I   – Présentation générale</a:t>
             </a:r>
             <a:endParaRPr lang="fr-FR" sz="5400" b="1" spc="50" dirty="0">
               <a:ln w="0"/>
@@ -7896,23 +7880,7 @@
                   </a:innerShdw>
                 </a:effectLst>
               </a:rPr>
-              <a:t>II  – </a:t>
-            </a:r>
-            <a:r>
-              <a:rPr lang="fr-FR" sz="5400" b="1" spc="50" dirty="0" smtClean="0">
-                <a:ln w="0"/>
-                <a:solidFill>
-                  <a:schemeClr val="accent1"/>
-                </a:solidFill>
-                <a:effectLst>
-                  <a:innerShdw blurRad="63500" dist="50800" dir="13500000">
-                    <a:srgbClr val="000000">
-                      <a:alpha val="50000"/>
-                    </a:srgbClr>
-                  </a:innerShdw>
-                </a:effectLst>
-              </a:rPr>
-              <a:t>Avancement</a:t>
+              <a:t>II  – Avancement</a:t>
             </a:r>
             <a:endParaRPr lang="fr-FR" sz="5400" b="1" spc="50" dirty="0">
               <a:ln w="0"/>
@@ -8134,23 +8102,7 @@
                   </a:innerShdw>
                 </a:effectLst>
               </a:rPr>
-              <a:t>I   – </a:t>
-            </a:r>
-            <a:r>
-              <a:rPr lang="fr-FR" sz="5400" b="1" spc="50" dirty="0" smtClean="0">
-                <a:ln w="0"/>
-                <a:solidFill>
-                  <a:schemeClr val="accent1"/>
-                </a:solidFill>
-                <a:effectLst>
-                  <a:innerShdw blurRad="63500" dist="50800" dir="13500000">
-                    <a:srgbClr val="000000">
-                      <a:alpha val="50000"/>
-                    </a:srgbClr>
-                  </a:innerShdw>
-                </a:effectLst>
-              </a:rPr>
-              <a:t>Présentation générale</a:t>
+              <a:t>I   – Présentation générale</a:t>
             </a:r>
             <a:endParaRPr lang="fr-FR" sz="5400" b="1" spc="50" dirty="0">
               <a:ln w="0"/>
@@ -8284,7 +8236,7 @@
         </p:nvSpPr>
         <p:spPr>
           <a:xfrm>
-            <a:off x="2509631" y="5014873"/>
+            <a:off x="2351315" y="494388"/>
             <a:ext cx="8263471" cy="923330"/>
           </a:xfrm>
           <a:prstGeom prst="rect">
@@ -8669,13 +8621,13 @@
   <p:clrMapOvr>
     <a:masterClrMapping/>
   </p:clrMapOvr>
-  <mc:AlternateContent xmlns:mc="http://schemas.openxmlformats.org/markup-compatibility/2006">
-    <mc:Choice xmlns:p15="http://schemas.microsoft.com/office/powerpoint/2012/main" Requires="p15">
+  <mc:AlternateContent xmlns:mc="http://schemas.openxmlformats.org/markup-compatibility/2006" xmlns:p15="http://schemas.microsoft.com/office/powerpoint/2012/main">
+    <mc:Choice Requires="p15">
       <p:transition xmlns:p14="http://schemas.microsoft.com/office/powerpoint/2010/main" spd="slow" p14:dur="5000">
         <p15:prstTrans prst="curtains"/>
       </p:transition>
     </mc:Choice>
-    <mc:Fallback>
+    <mc:Fallback xmlns="">
       <p:transition spd="slow">
         <p:fade/>
       </p:transition>
@@ -9186,13 +9138,13 @@
   <p:clrMapOvr>
     <a:masterClrMapping/>
   </p:clrMapOvr>
-  <mc:AlternateContent xmlns:mc="http://schemas.openxmlformats.org/markup-compatibility/2006">
-    <mc:Choice xmlns:p15="http://schemas.microsoft.com/office/powerpoint/2012/main" Requires="p15">
+  <mc:AlternateContent xmlns:mc="http://schemas.openxmlformats.org/markup-compatibility/2006" xmlns:p15="http://schemas.microsoft.com/office/powerpoint/2012/main">
+    <mc:Choice Requires="p15">
       <p:transition xmlns:p14="http://schemas.microsoft.com/office/powerpoint/2010/main" spd="slow" p14:dur="5000">
         <p15:prstTrans prst="curtains"/>
       </p:transition>
     </mc:Choice>
-    <mc:Fallback>
+    <mc:Fallback xmlns="">
       <p:transition spd="slow">
         <p:fade/>
       </p:transition>
@@ -9291,23 +9243,7 @@
                   </a:innerShdw>
                 </a:effectLst>
               </a:rPr>
-              <a:t>II  – </a:t>
-            </a:r>
-            <a:r>
-              <a:rPr lang="fr-FR" sz="5400" b="1" spc="50" dirty="0" smtClean="0">
-                <a:ln w="0"/>
-                <a:solidFill>
-                  <a:schemeClr val="accent1"/>
-                </a:solidFill>
-                <a:effectLst>
-                  <a:innerShdw blurRad="63500" dist="50800" dir="13500000">
-                    <a:srgbClr val="000000">
-                      <a:alpha val="50000"/>
-                    </a:srgbClr>
-                  </a:innerShdw>
-                </a:effectLst>
-              </a:rPr>
-              <a:t>Avancement</a:t>
+              <a:t>II  – Avancement</a:t>
             </a:r>
             <a:endParaRPr lang="fr-FR" sz="5400" b="1" spc="50" dirty="0">
               <a:ln w="0"/>
@@ -9365,13 +9301,13 @@
   <p:clrMapOvr>
     <a:masterClrMapping/>
   </p:clrMapOvr>
-  <mc:AlternateContent xmlns:mc="http://schemas.openxmlformats.org/markup-compatibility/2006">
-    <mc:Choice xmlns:p15="http://schemas.microsoft.com/office/powerpoint/2012/main" Requires="p15">
+  <mc:AlternateContent xmlns:mc="http://schemas.openxmlformats.org/markup-compatibility/2006" xmlns:p15="http://schemas.microsoft.com/office/powerpoint/2012/main">
+    <mc:Choice Requires="p15">
       <p:transition xmlns:p14="http://schemas.microsoft.com/office/powerpoint/2010/main" spd="slow" p14:dur="5000">
         <p15:prstTrans prst="curtains"/>
       </p:transition>
     </mc:Choice>
-    <mc:Fallback>
+    <mc:Fallback xmlns="">
       <p:transition spd="slow">
         <p:fade/>
       </p:transition>

--- a/Diapo/V2_by_Ch.pptx
+++ b/Diapo/V2_by_Ch.pptx
@@ -5,7 +5,7 @@
     <p:sldMasterId id="2147483669" r:id="rId1"/>
   </p:sldMasterIdLst>
   <p:notesMasterIdLst>
-    <p:notesMasterId r:id="rId12"/>
+    <p:notesMasterId r:id="rId10"/>
   </p:notesMasterIdLst>
   <p:sldIdLst>
     <p:sldId id="302" r:id="rId2"/>
@@ -14,10 +14,8 @@
     <p:sldId id="331" r:id="rId5"/>
     <p:sldId id="332" r:id="rId6"/>
     <p:sldId id="330" r:id="rId7"/>
-    <p:sldId id="304" r:id="rId8"/>
-    <p:sldId id="305" r:id="rId9"/>
-    <p:sldId id="306" r:id="rId10"/>
-    <p:sldId id="308" r:id="rId11"/>
+    <p:sldId id="333" r:id="rId8"/>
+    <p:sldId id="334" r:id="rId9"/>
   </p:sldIdLst>
   <p:sldSz cx="12192000" cy="6858000"/>
   <p:notesSz cx="6858000" cy="9144000"/>
@@ -7591,186 +7589,6 @@
 </p:sld>
 </file>
 
-<file path=ppt/slides/slide10.xml><?xml version="1.0" encoding="utf-8"?>
-<p:sld xmlns:a="http://schemas.openxmlformats.org/drawingml/2006/main" xmlns:r="http://schemas.openxmlformats.org/officeDocument/2006/relationships" xmlns:p="http://schemas.openxmlformats.org/presentationml/2006/main">
-  <p:cSld>
-    <p:spTree>
-      <p:nvGrpSpPr>
-        <p:cNvPr id="1" name=""/>
-        <p:cNvGrpSpPr/>
-        <p:nvPr/>
-      </p:nvGrpSpPr>
-      <p:grpSpPr>
-        <a:xfrm>
-          <a:off x="0" y="0"/>
-          <a:ext cx="0" cy="0"/>
-          <a:chOff x="0" y="0"/>
-          <a:chExt cx="0" cy="0"/>
-        </a:xfrm>
-      </p:grpSpPr>
-      <p:sp>
-        <p:nvSpPr>
-          <p:cNvPr id="4" name="Rectangle 3"/>
-          <p:cNvSpPr/>
-          <p:nvPr/>
-        </p:nvSpPr>
-        <p:spPr>
-          <a:xfrm>
-            <a:off x="2694846" y="2759685"/>
-            <a:ext cx="8263471" cy="3416320"/>
-          </a:xfrm>
-          <a:prstGeom prst="rect">
-            <a:avLst/>
-          </a:prstGeom>
-          <a:noFill/>
-        </p:spPr>
-        <p:txBody>
-          <a:bodyPr wrap="square" lIns="91440" tIns="45720" rIns="91440" bIns="45720">
-            <a:spAutoFit/>
-          </a:bodyPr>
-          <a:lstStyle/>
-          <a:p>
-            <a:pPr algn="ctr"/>
-            <a:r>
-              <a:rPr lang="fr-FR" sz="5400" b="1" dirty="0" smtClean="0">
-                <a:ln/>
-                <a:pattFill prst="dkUpDiag">
-                  <a:fgClr>
-                    <a:schemeClr val="bg1">
-                      <a:lumMod val="50000"/>
-                    </a:schemeClr>
-                  </a:fgClr>
-                  <a:bgClr>
-                    <a:schemeClr val="tx1">
-                      <a:lumMod val="75000"/>
-                      <a:lumOff val="25000"/>
-                    </a:schemeClr>
-                  </a:bgClr>
-                </a:pattFill>
-                <a:effectLst>
-                  <a:outerShdw blurRad="38100" dist="19050" dir="2700000" algn="tl" rotWithShape="0">
-                    <a:schemeClr val="dk1">
-                      <a:lumMod val="50000"/>
-                      <a:alpha val="40000"/>
-                    </a:schemeClr>
-                  </a:outerShdw>
-                </a:effectLst>
-              </a:rPr>
-              <a:t>Quel </a:t>
-            </a:r>
-            <a:r>
-              <a:rPr lang="fr-FR" sz="5400" b="1" dirty="0">
-                <a:ln/>
-                <a:pattFill prst="dkUpDiag">
-                  <a:fgClr>
-                    <a:schemeClr val="bg1">
-                      <a:lumMod val="50000"/>
-                    </a:schemeClr>
-                  </a:fgClr>
-                  <a:bgClr>
-                    <a:schemeClr val="tx1">
-                      <a:lumMod val="75000"/>
-                      <a:lumOff val="25000"/>
-                    </a:schemeClr>
-                  </a:bgClr>
-                </a:pattFill>
-                <a:effectLst>
-                  <a:outerShdw blurRad="38100" dist="19050" dir="2700000" algn="tl" rotWithShape="0">
-                    <a:schemeClr val="dk1">
-                      <a:lumMod val="50000"/>
-                      <a:alpha val="40000"/>
-                    </a:schemeClr>
-                  </a:outerShdw>
-                </a:effectLst>
-              </a:rPr>
-              <a:t>est le réel impact des nouvelles technologies sur nos sociétés ?</a:t>
-            </a:r>
-          </a:p>
-          <a:p>
-            <a:pPr algn="ctr"/>
-            <a:endParaRPr lang="fr-FR" sz="5400" b="1" dirty="0">
-              <a:ln/>
-              <a:pattFill prst="dkUpDiag">
-                <a:fgClr>
-                  <a:schemeClr val="bg1">
-                    <a:lumMod val="50000"/>
-                  </a:schemeClr>
-                </a:fgClr>
-                <a:bgClr>
-                  <a:schemeClr val="tx1">
-                    <a:lumMod val="75000"/>
-                    <a:lumOff val="25000"/>
-                  </a:schemeClr>
-                </a:bgClr>
-              </a:pattFill>
-              <a:effectLst>
-                <a:outerShdw blurRad="38100" dist="19050" dir="2700000" algn="tl" rotWithShape="0">
-                  <a:schemeClr val="dk1">
-                    <a:lumMod val="50000"/>
-                    <a:alpha val="40000"/>
-                  </a:schemeClr>
-                </a:outerShdw>
-              </a:effectLst>
-            </a:endParaRPr>
-          </a:p>
-        </p:txBody>
-      </p:sp>
-      <p:sp>
-        <p:nvSpPr>
-          <p:cNvPr id="2" name="Espace réservé du numéro de diapositive 1"/>
-          <p:cNvSpPr>
-            <a:spLocks noGrp="1"/>
-          </p:cNvSpPr>
-          <p:nvPr>
-            <p:ph type="sldNum" sz="quarter" idx="12"/>
-          </p:nvPr>
-        </p:nvSpPr>
-        <p:spPr/>
-        <p:txBody>
-          <a:bodyPr/>
-          <a:lstStyle/>
-          <a:p>
-            <a:fld id="{D57F1E4F-1CFF-5643-939E-217C01CDF565}" type="slidenum">
-              <a:rPr lang="en-US" smtClean="0"/>
-              <a:pPr/>
-              <a:t>10</a:t>
-            </a:fld>
-            <a:endParaRPr lang="en-US" dirty="0"/>
-          </a:p>
-        </p:txBody>
-      </p:sp>
-    </p:spTree>
-    <p:extLst>
-      <p:ext uri="{BB962C8B-B14F-4D97-AF65-F5344CB8AC3E}">
-        <p14:creationId xmlns:p14="http://schemas.microsoft.com/office/powerpoint/2010/main" val="2369088777"/>
-      </p:ext>
-    </p:extLst>
-  </p:cSld>
-  <p:clrMapOvr>
-    <a:masterClrMapping/>
-  </p:clrMapOvr>
-  <mc:AlternateContent xmlns:mc="http://schemas.openxmlformats.org/markup-compatibility/2006" xmlns:p14="http://schemas.microsoft.com/office/powerpoint/2010/main">
-    <mc:Choice Requires="p14">
-      <p:transition spd="slow" p14:dur="1900">
-        <p14:prism/>
-      </p:transition>
-    </mc:Choice>
-    <mc:Fallback xmlns="">
-      <p:transition spd="slow">
-        <p:fade/>
-      </p:transition>
-    </mc:Fallback>
-  </mc:AlternateContent>
-  <p:timing>
-    <p:tnLst>
-      <p:par>
-        <p:cTn id="1" dur="indefinite" restart="never" nodeType="tmRoot"/>
-      </p:par>
-    </p:tnLst>
-  </p:timing>
-</p:sld>
-</file>
-
 <file path=ppt/slides/slide2.xml><?xml version="1.0" encoding="utf-8"?>
 <p:sld xmlns:a="http://schemas.openxmlformats.org/drawingml/2006/main" xmlns:r="http://schemas.openxmlformats.org/officeDocument/2006/relationships" xmlns:p="http://schemas.openxmlformats.org/presentationml/2006/main">
   <p:cSld>
@@ -8236,7 +8054,7 @@
         </p:nvSpPr>
         <p:spPr>
           <a:xfrm>
-            <a:off x="2351315" y="494388"/>
+            <a:off x="2351314" y="751066"/>
             <a:ext cx="8263471" cy="923330"/>
           </a:xfrm>
           <a:prstGeom prst="rect">
@@ -8315,7 +8133,7 @@
         </p:nvSpPr>
         <p:spPr>
           <a:xfrm>
-            <a:off x="2351315" y="1518602"/>
+            <a:off x="1960795" y="2189551"/>
             <a:ext cx="9044508" cy="2937283"/>
           </a:xfrm>
           <a:prstGeom prst="rect">
@@ -9340,51 +9158,680 @@
           <a:chExt cx="0" cy="0"/>
         </a:xfrm>
       </p:grpSpPr>
-      <p:pic>
-        <p:nvPicPr>
-          <p:cNvPr id="4" name="Image 3"/>
-          <p:cNvPicPr>
-            <a:picLocks noChangeAspect="1"/>
-          </p:cNvPicPr>
+      <p:sp>
+        <p:nvSpPr>
+          <p:cNvPr id="6" name="Espace réservé du numéro de diapositive 5"/>
+          <p:cNvSpPr>
+            <a:spLocks noGrp="1"/>
+          </p:cNvSpPr>
+          <p:nvPr>
+            <p:ph type="sldNum" sz="quarter" idx="12"/>
+          </p:nvPr>
+        </p:nvSpPr>
+        <p:spPr>
+          <a:xfrm>
+            <a:off x="101600" y="5938203"/>
+            <a:ext cx="551167" cy="697513"/>
+          </a:xfrm>
+        </p:spPr>
+        <p:txBody>
+          <a:bodyPr/>
+          <a:lstStyle/>
+          <a:p>
+            <a:fld id="{D57F1E4F-1CFF-5643-939E-217C01CDF565}" type="slidenum">
+              <a:rPr lang="en-US" sz="4000" smtClean="0"/>
+              <a:pPr/>
+              <a:t>7</a:t>
+            </a:fld>
+            <a:endParaRPr lang="en-US" sz="4000" dirty="0"/>
+          </a:p>
+        </p:txBody>
+      </p:sp>
+      <p:sp>
+        <p:nvSpPr>
+          <p:cNvPr id="21" name="Rectangle 26"/>
+          <p:cNvSpPr>
+            <a:spLocks noChangeArrowheads="1"/>
+          </p:cNvSpPr>
           <p:nvPr/>
-        </p:nvPicPr>
-        <p:blipFill>
-          <a:blip r:embed="rId2">
-            <a:extLst>
-              <a:ext uri="{28A0092B-C50C-407E-A947-70E740481C1C}">
-                <a14:useLocalDpi xmlns:a14="http://schemas.microsoft.com/office/drawing/2010/main" val="0"/>
-              </a:ext>
-            </a:extLst>
-          </a:blip>
-          <a:stretch>
-            <a:fillRect/>
-          </a:stretch>
-        </p:blipFill>
-        <p:spPr>
+        </p:nvSpPr>
+        <p:spPr bwMode="auto">
           <a:xfrm>
-            <a:off x="4847452" y="658174"/>
-            <a:ext cx="3820058" cy="3829584"/>
-          </a:xfrm>
-          <a:prstGeom prst="rect">
-            <a:avLst/>
-          </a:prstGeom>
-        </p:spPr>
-      </p:pic>
-      <p:sp>
-        <p:nvSpPr>
-          <p:cNvPr id="5" name="Rectangle 4"/>
-          <p:cNvSpPr/>
-          <p:nvPr/>
-        </p:nvSpPr>
-        <p:spPr>
-          <a:xfrm>
-            <a:off x="2625745" y="4487758"/>
-            <a:ext cx="8263471" cy="923330"/>
+            <a:off x="2743401" y="650383"/>
+            <a:ext cx="12192000" cy="0"/>
           </a:xfrm>
           <a:prstGeom prst="rect">
             <a:avLst/>
           </a:prstGeom>
           <a:noFill/>
+          <a:ln>
+            <a:noFill/>
+          </a:ln>
+          <a:effectLst/>
+          <a:extLst>
+            <a:ext uri="{909E8E84-426E-40DD-AFC4-6F175D3DCCD1}">
+              <a14:hiddenFill xmlns:a14="http://schemas.microsoft.com/office/drawing/2010/main">
+                <a:solidFill>
+                  <a:schemeClr val="accent1"/>
+                </a:solidFill>
+              </a14:hiddenFill>
+            </a:ext>
+            <a:ext uri="{91240B29-F687-4F45-9708-019B960494DF}">
+              <a14:hiddenLine xmlns:a14="http://schemas.microsoft.com/office/drawing/2010/main" w="9525">
+                <a:solidFill>
+                  <a:schemeClr val="tx1"/>
+                </a:solidFill>
+                <a:miter lim="800000"/>
+                <a:headEnd/>
+                <a:tailEnd/>
+              </a14:hiddenLine>
+            </a:ext>
+            <a:ext uri="{AF507438-7753-43E0-B8FC-AC1667EBCBE1}">
+              <a14:hiddenEffects xmlns:a14="http://schemas.microsoft.com/office/drawing/2010/main">
+                <a:effectLst>
+                  <a:outerShdw dist="35921" dir="2700000" algn="ctr" rotWithShape="0">
+                    <a:schemeClr val="bg2"/>
+                  </a:outerShdw>
+                </a:effectLst>
+              </a14:hiddenEffects>
+            </a:ext>
+          </a:extLst>
+        </p:spPr>
+        <p:txBody>
+          <a:bodyPr vert="horz" wrap="none" lIns="91440" tIns="45720" rIns="91440" bIns="45720" numCol="1" anchor="ctr" anchorCtr="0" compatLnSpc="1">
+            <a:prstTxWarp prst="textNoShape">
+              <a:avLst/>
+            </a:prstTxWarp>
+            <a:spAutoFit/>
+          </a:bodyPr>
+          <a:lstStyle/>
+          <a:p>
+            <a:endParaRPr lang="fr-FR"/>
+          </a:p>
+        </p:txBody>
+      </p:sp>
+      <p:sp>
+        <p:nvSpPr>
+          <p:cNvPr id="22" name="Ellipse 21"/>
+          <p:cNvSpPr/>
+          <p:nvPr/>
+        </p:nvSpPr>
+        <p:spPr>
+          <a:xfrm>
+            <a:off x="2421429" y="1061811"/>
+            <a:ext cx="2459865" cy="1622738"/>
+          </a:xfrm>
+          <a:prstGeom prst="ellipse">
+            <a:avLst/>
+          </a:prstGeom>
+        </p:spPr>
+        <p:style>
+          <a:lnRef idx="2">
+            <a:schemeClr val="accent1">
+              <a:shade val="50000"/>
+            </a:schemeClr>
+          </a:lnRef>
+          <a:fillRef idx="1">
+            <a:schemeClr val="accent1"/>
+          </a:fillRef>
+          <a:effectRef idx="0">
+            <a:schemeClr val="accent1"/>
+          </a:effectRef>
+          <a:fontRef idx="minor">
+            <a:schemeClr val="lt1"/>
+          </a:fontRef>
+        </p:style>
+        <p:txBody>
+          <a:bodyPr rtlCol="0" anchor="ctr"/>
+          <a:lstStyle/>
+          <a:p>
+            <a:pPr algn="ctr"/>
+            <a:r>
+              <a:rPr lang="fr-FR" dirty="0" err="1" smtClean="0"/>
+              <a:t>Raspberry</a:t>
+            </a:r>
+            <a:endParaRPr lang="fr-FR" dirty="0"/>
+          </a:p>
+        </p:txBody>
+      </p:sp>
+      <p:sp>
+        <p:nvSpPr>
+          <p:cNvPr id="23" name="Ellipse 22"/>
+          <p:cNvSpPr/>
+          <p:nvPr/>
+        </p:nvSpPr>
+        <p:spPr>
+          <a:xfrm>
+            <a:off x="6849614" y="4714014"/>
+            <a:ext cx="2459865" cy="1622738"/>
+          </a:xfrm>
+          <a:prstGeom prst="ellipse">
+            <a:avLst/>
+          </a:prstGeom>
+        </p:spPr>
+        <p:style>
+          <a:lnRef idx="2">
+            <a:schemeClr val="accent1">
+              <a:shade val="50000"/>
+            </a:schemeClr>
+          </a:lnRef>
+          <a:fillRef idx="1">
+            <a:schemeClr val="accent1"/>
+          </a:fillRef>
+          <a:effectRef idx="0">
+            <a:schemeClr val="accent1"/>
+          </a:effectRef>
+          <a:fontRef idx="minor">
+            <a:schemeClr val="lt1"/>
+          </a:fontRef>
+        </p:style>
+        <p:txBody>
+          <a:bodyPr rtlCol="0" anchor="ctr"/>
+          <a:lstStyle/>
+          <a:p>
+            <a:pPr algn="ctr"/>
+            <a:r>
+              <a:rPr lang="fr-FR" dirty="0" smtClean="0"/>
+              <a:t>Capteurs I²C</a:t>
+            </a:r>
+            <a:endParaRPr lang="fr-FR" dirty="0"/>
+          </a:p>
+        </p:txBody>
+      </p:sp>
+      <p:sp>
+        <p:nvSpPr>
+          <p:cNvPr id="24" name="Rectangle 23"/>
+          <p:cNvSpPr/>
+          <p:nvPr/>
+        </p:nvSpPr>
+        <p:spPr>
+          <a:xfrm>
+            <a:off x="7472094" y="1480374"/>
+            <a:ext cx="1609860" cy="914400"/>
+          </a:xfrm>
+          <a:prstGeom prst="rect">
+            <a:avLst/>
+          </a:prstGeom>
+        </p:spPr>
+        <p:style>
+          <a:lnRef idx="2">
+            <a:schemeClr val="accent1">
+              <a:shade val="50000"/>
+            </a:schemeClr>
+          </a:lnRef>
+          <a:fillRef idx="1">
+            <a:schemeClr val="accent1"/>
+          </a:fillRef>
+          <a:effectRef idx="0">
+            <a:schemeClr val="accent1"/>
+          </a:effectRef>
+          <a:fontRef idx="minor">
+            <a:schemeClr val="lt1"/>
+          </a:fontRef>
+        </p:style>
+        <p:txBody>
+          <a:bodyPr rtlCol="0" anchor="ctr"/>
+          <a:lstStyle/>
+          <a:p>
+            <a:pPr algn="ctr"/>
+            <a:r>
+              <a:rPr lang="fr-FR" dirty="0" smtClean="0"/>
+              <a:t>3,3 &lt;-&gt; 5V </a:t>
+            </a:r>
+          </a:p>
+          <a:p>
+            <a:pPr algn="ctr"/>
+            <a:r>
+              <a:rPr lang="fr-FR" dirty="0" smtClean="0"/>
+              <a:t>I²C</a:t>
+            </a:r>
+            <a:endParaRPr lang="fr-FR" dirty="0"/>
+          </a:p>
+        </p:txBody>
+      </p:sp>
+      <p:cxnSp>
+        <p:nvCxnSpPr>
+          <p:cNvPr id="27" name="Connecteur droit avec flèche 26"/>
+          <p:cNvCxnSpPr/>
+          <p:nvPr/>
+        </p:nvCxnSpPr>
+        <p:spPr>
+          <a:xfrm flipV="1">
+            <a:off x="5112914" y="1763709"/>
+            <a:ext cx="2189607" cy="6440"/>
+          </a:xfrm>
+          <a:prstGeom prst="straightConnector1">
+            <a:avLst/>
+          </a:prstGeom>
+          <a:ln w="76200">
+            <a:solidFill>
+              <a:schemeClr val="tx1">
+                <a:lumMod val="65000"/>
+                <a:lumOff val="35000"/>
+              </a:schemeClr>
+            </a:solidFill>
+            <a:tailEnd type="triangle"/>
+          </a:ln>
+        </p:spPr>
+        <p:style>
+          <a:lnRef idx="1">
+            <a:schemeClr val="accent1"/>
+          </a:lnRef>
+          <a:fillRef idx="0">
+            <a:schemeClr val="accent1"/>
+          </a:fillRef>
+          <a:effectRef idx="0">
+            <a:schemeClr val="accent1"/>
+          </a:effectRef>
+          <a:fontRef idx="minor">
+            <a:schemeClr val="tx1"/>
+          </a:fontRef>
+        </p:style>
+      </p:cxnSp>
+      <p:cxnSp>
+        <p:nvCxnSpPr>
+          <p:cNvPr id="31" name="Connecteur droit avec flèche 30"/>
+          <p:cNvCxnSpPr/>
+          <p:nvPr/>
+        </p:nvCxnSpPr>
+        <p:spPr>
+          <a:xfrm>
+            <a:off x="8652657" y="2684548"/>
+            <a:ext cx="0" cy="1835240"/>
+          </a:xfrm>
+          <a:prstGeom prst="straightConnector1">
+            <a:avLst/>
+          </a:prstGeom>
+          <a:ln w="76200">
+            <a:solidFill>
+              <a:schemeClr val="tx1">
+                <a:lumMod val="65000"/>
+                <a:lumOff val="35000"/>
+              </a:schemeClr>
+            </a:solidFill>
+            <a:tailEnd type="triangle"/>
+          </a:ln>
+        </p:spPr>
+        <p:style>
+          <a:lnRef idx="1">
+            <a:schemeClr val="accent1"/>
+          </a:lnRef>
+          <a:fillRef idx="0">
+            <a:schemeClr val="accent1"/>
+          </a:fillRef>
+          <a:effectRef idx="0">
+            <a:schemeClr val="accent1"/>
+          </a:effectRef>
+          <a:fontRef idx="minor">
+            <a:schemeClr val="tx1"/>
+          </a:fontRef>
+        </p:style>
+      </p:cxnSp>
+      <p:cxnSp>
+        <p:nvCxnSpPr>
+          <p:cNvPr id="36" name="Connecteur droit avec flèche 35"/>
+          <p:cNvCxnSpPr/>
+          <p:nvPr/>
+        </p:nvCxnSpPr>
+        <p:spPr>
+          <a:xfrm flipV="1">
+            <a:off x="8079546" y="2684549"/>
+            <a:ext cx="0" cy="1719329"/>
+          </a:xfrm>
+          <a:prstGeom prst="straightConnector1">
+            <a:avLst/>
+          </a:prstGeom>
+          <a:ln w="76200">
+            <a:solidFill>
+              <a:schemeClr val="tx1">
+                <a:lumMod val="65000"/>
+                <a:lumOff val="35000"/>
+              </a:schemeClr>
+            </a:solidFill>
+            <a:tailEnd type="triangle"/>
+          </a:ln>
+        </p:spPr>
+        <p:style>
+          <a:lnRef idx="1">
+            <a:schemeClr val="accent1"/>
+          </a:lnRef>
+          <a:fillRef idx="0">
+            <a:schemeClr val="accent1"/>
+          </a:fillRef>
+          <a:effectRef idx="0">
+            <a:schemeClr val="accent1"/>
+          </a:effectRef>
+          <a:fontRef idx="minor">
+            <a:schemeClr val="tx1"/>
+          </a:fontRef>
+        </p:style>
+      </p:cxnSp>
+      <p:cxnSp>
+        <p:nvCxnSpPr>
+          <p:cNvPr id="40" name="Connecteur droit avec flèche 39"/>
+          <p:cNvCxnSpPr/>
+          <p:nvPr/>
+        </p:nvCxnSpPr>
+        <p:spPr>
+          <a:xfrm flipH="1">
+            <a:off x="5081890" y="2087768"/>
+            <a:ext cx="2189607" cy="4295"/>
+          </a:xfrm>
+          <a:prstGeom prst="straightConnector1">
+            <a:avLst/>
+          </a:prstGeom>
+          <a:ln w="76200">
+            <a:solidFill>
+              <a:schemeClr val="tx1">
+                <a:lumMod val="65000"/>
+                <a:lumOff val="35000"/>
+              </a:schemeClr>
+            </a:solidFill>
+            <a:tailEnd type="triangle"/>
+          </a:ln>
+        </p:spPr>
+        <p:style>
+          <a:lnRef idx="1">
+            <a:schemeClr val="accent1"/>
+          </a:lnRef>
+          <a:fillRef idx="0">
+            <a:schemeClr val="accent1"/>
+          </a:fillRef>
+          <a:effectRef idx="0">
+            <a:schemeClr val="accent1"/>
+          </a:effectRef>
+          <a:fontRef idx="minor">
+            <a:schemeClr val="tx1"/>
+          </a:fontRef>
+        </p:style>
+      </p:cxnSp>
+      <p:cxnSp>
+        <p:nvCxnSpPr>
+          <p:cNvPr id="42" name="Connecteur droit avec flèche 41"/>
+          <p:cNvCxnSpPr/>
+          <p:nvPr/>
+        </p:nvCxnSpPr>
+        <p:spPr>
+          <a:xfrm>
+            <a:off x="4559323" y="2625461"/>
+            <a:ext cx="2434105" cy="2229178"/>
+          </a:xfrm>
+          <a:prstGeom prst="straightConnector1">
+            <a:avLst/>
+          </a:prstGeom>
+          <a:ln w="76200">
+            <a:solidFill>
+              <a:srgbClr val="FF0000"/>
+            </a:solidFill>
+            <a:tailEnd type="triangle"/>
+          </a:ln>
+        </p:spPr>
+        <p:style>
+          <a:lnRef idx="1">
+            <a:schemeClr val="accent1"/>
+          </a:lnRef>
+          <a:fillRef idx="0">
+            <a:schemeClr val="accent1"/>
+          </a:fillRef>
+          <a:effectRef idx="0">
+            <a:schemeClr val="accent1"/>
+          </a:effectRef>
+          <a:fontRef idx="minor">
+            <a:schemeClr val="tx1"/>
+          </a:fontRef>
+        </p:style>
+      </p:cxnSp>
+      <p:sp>
+        <p:nvSpPr>
+          <p:cNvPr id="46" name="ZoneTexte 45"/>
+          <p:cNvSpPr txBox="1"/>
+          <p:nvPr/>
+        </p:nvSpPr>
+        <p:spPr>
+          <a:xfrm>
+            <a:off x="5559809" y="3144103"/>
+            <a:ext cx="433132" cy="400110"/>
+          </a:xfrm>
+          <a:prstGeom prst="rect">
+            <a:avLst/>
+          </a:prstGeom>
+          <a:noFill/>
+        </p:spPr>
+        <p:txBody>
+          <a:bodyPr wrap="none" rtlCol="0">
+            <a:spAutoFit/>
+          </a:bodyPr>
+          <a:lstStyle/>
+          <a:p>
+            <a:r>
+              <a:rPr lang="fr-FR" sz="2000" b="1" dirty="0" smtClean="0">
+                <a:solidFill>
+                  <a:srgbClr val="FF0000"/>
+                </a:solidFill>
+                <a:latin typeface="Bernard MT Condensed" panose="02050806060905020404" pitchFamily="18" charset="0"/>
+              </a:rPr>
+              <a:t>5V</a:t>
+            </a:r>
+            <a:endParaRPr lang="fr-FR" sz="2000" b="1" dirty="0">
+              <a:solidFill>
+                <a:srgbClr val="FF0000"/>
+              </a:solidFill>
+              <a:latin typeface="Bernard MT Condensed" panose="02050806060905020404" pitchFamily="18" charset="0"/>
+            </a:endParaRPr>
+          </a:p>
+        </p:txBody>
+      </p:sp>
+      <p:cxnSp>
+        <p:nvCxnSpPr>
+          <p:cNvPr id="47" name="Connecteur droit avec flèche 46"/>
+          <p:cNvCxnSpPr/>
+          <p:nvPr/>
+        </p:nvCxnSpPr>
+        <p:spPr>
+          <a:xfrm flipH="1">
+            <a:off x="4587761" y="5595397"/>
+            <a:ext cx="2101946" cy="573930"/>
+          </a:xfrm>
+          <a:prstGeom prst="straightConnector1">
+            <a:avLst/>
+          </a:prstGeom>
+          <a:ln w="76200">
+            <a:solidFill>
+              <a:srgbClr val="FF0000"/>
+            </a:solidFill>
+            <a:tailEnd type="triangle"/>
+          </a:ln>
+        </p:spPr>
+        <p:style>
+          <a:lnRef idx="1">
+            <a:schemeClr val="accent1"/>
+          </a:lnRef>
+          <a:fillRef idx="0">
+            <a:schemeClr val="accent1"/>
+          </a:fillRef>
+          <a:effectRef idx="0">
+            <a:schemeClr val="accent1"/>
+          </a:effectRef>
+          <a:fontRef idx="minor">
+            <a:schemeClr val="tx1"/>
+          </a:fontRef>
+        </p:style>
+      </p:cxnSp>
+      <p:sp>
+        <p:nvSpPr>
+          <p:cNvPr id="50" name="Rectangle 49"/>
+          <p:cNvSpPr/>
+          <p:nvPr/>
+        </p:nvSpPr>
+        <p:spPr>
+          <a:xfrm>
+            <a:off x="2846431" y="5712127"/>
+            <a:ext cx="1609860" cy="914400"/>
+          </a:xfrm>
+          <a:prstGeom prst="rect">
+            <a:avLst/>
+          </a:prstGeom>
+        </p:spPr>
+        <p:style>
+          <a:lnRef idx="2">
+            <a:schemeClr val="accent1">
+              <a:shade val="50000"/>
+            </a:schemeClr>
+          </a:lnRef>
+          <a:fillRef idx="1">
+            <a:schemeClr val="accent1"/>
+          </a:fillRef>
+          <a:effectRef idx="0">
+            <a:schemeClr val="accent1"/>
+          </a:effectRef>
+          <a:fontRef idx="minor">
+            <a:schemeClr val="lt1"/>
+          </a:fontRef>
+        </p:style>
+        <p:txBody>
+          <a:bodyPr rtlCol="0" anchor="ctr"/>
+          <a:lstStyle/>
+          <a:p>
+            <a:pPr algn="ctr"/>
+            <a:r>
+              <a:rPr lang="fr-FR" dirty="0" smtClean="0"/>
+              <a:t>Filtre</a:t>
+            </a:r>
+            <a:endParaRPr lang="fr-FR" dirty="0"/>
+          </a:p>
+        </p:txBody>
+      </p:sp>
+      <p:sp>
+        <p:nvSpPr>
+          <p:cNvPr id="52" name="Rectangle 51"/>
+          <p:cNvSpPr/>
+          <p:nvPr/>
+        </p:nvSpPr>
+        <p:spPr>
+          <a:xfrm>
+            <a:off x="1438342" y="3740050"/>
+            <a:ext cx="1609860" cy="914400"/>
+          </a:xfrm>
+          <a:prstGeom prst="rect">
+            <a:avLst/>
+          </a:prstGeom>
+        </p:spPr>
+        <p:style>
+          <a:lnRef idx="2">
+            <a:schemeClr val="accent1">
+              <a:shade val="50000"/>
+            </a:schemeClr>
+          </a:lnRef>
+          <a:fillRef idx="1">
+            <a:schemeClr val="accent1"/>
+          </a:fillRef>
+          <a:effectRef idx="0">
+            <a:schemeClr val="accent1"/>
+          </a:effectRef>
+          <a:fontRef idx="minor">
+            <a:schemeClr val="lt1"/>
+          </a:fontRef>
+        </p:style>
+        <p:txBody>
+          <a:bodyPr rtlCol="0" anchor="ctr"/>
+          <a:lstStyle/>
+          <a:p>
+            <a:pPr algn="ctr"/>
+            <a:r>
+              <a:rPr lang="fr-FR" dirty="0" smtClean="0"/>
+              <a:t>CAN</a:t>
+            </a:r>
+            <a:endParaRPr lang="fr-FR" dirty="0"/>
+          </a:p>
+        </p:txBody>
+      </p:sp>
+      <p:cxnSp>
+        <p:nvCxnSpPr>
+          <p:cNvPr id="53" name="Connecteur droit avec flèche 52"/>
+          <p:cNvCxnSpPr/>
+          <p:nvPr/>
+        </p:nvCxnSpPr>
+        <p:spPr>
+          <a:xfrm flipH="1" flipV="1">
+            <a:off x="2189809" y="4854641"/>
+            <a:ext cx="1172365" cy="740756"/>
+          </a:xfrm>
+          <a:prstGeom prst="straightConnector1">
+            <a:avLst/>
+          </a:prstGeom>
+          <a:ln w="76200">
+            <a:solidFill>
+              <a:srgbClr val="FF0000"/>
+            </a:solidFill>
+            <a:tailEnd type="triangle"/>
+          </a:ln>
+        </p:spPr>
+        <p:style>
+          <a:lnRef idx="1">
+            <a:schemeClr val="accent1"/>
+          </a:lnRef>
+          <a:fillRef idx="0">
+            <a:schemeClr val="accent1"/>
+          </a:fillRef>
+          <a:effectRef idx="0">
+            <a:schemeClr val="accent1"/>
+          </a:effectRef>
+          <a:fontRef idx="minor">
+            <a:schemeClr val="tx1"/>
+          </a:fontRef>
+        </p:style>
+      </p:cxnSp>
+      <p:cxnSp>
+        <p:nvCxnSpPr>
+          <p:cNvPr id="57" name="Connecteur droit avec flèche 56"/>
+          <p:cNvCxnSpPr/>
+          <p:nvPr/>
+        </p:nvCxnSpPr>
+        <p:spPr>
+          <a:xfrm flipV="1">
+            <a:off x="2243272" y="2690767"/>
+            <a:ext cx="532720" cy="849092"/>
+          </a:xfrm>
+          <a:prstGeom prst="straightConnector1">
+            <a:avLst/>
+          </a:prstGeom>
+          <a:ln w="76200">
+            <a:solidFill>
+              <a:srgbClr val="FF0000"/>
+            </a:solidFill>
+            <a:tailEnd type="triangle"/>
+          </a:ln>
+        </p:spPr>
+        <p:style>
+          <a:lnRef idx="1">
+            <a:schemeClr val="accent1"/>
+          </a:lnRef>
+          <a:fillRef idx="0">
+            <a:schemeClr val="accent1"/>
+          </a:fillRef>
+          <a:effectRef idx="0">
+            <a:schemeClr val="accent1"/>
+          </a:effectRef>
+          <a:fontRef idx="minor">
+            <a:schemeClr val="tx1"/>
+          </a:fontRef>
+        </p:style>
+      </p:cxnSp>
+      <p:sp>
+        <p:nvSpPr>
+          <p:cNvPr id="61" name="Rectangle 60"/>
+          <p:cNvSpPr/>
+          <p:nvPr/>
+        </p:nvSpPr>
+        <p:spPr>
+          <a:xfrm>
+            <a:off x="4269782" y="238956"/>
+            <a:ext cx="8263471" cy="923330"/>
+          </a:xfrm>
+          <a:prstGeom prst="rect">
+            <a:avLst/>
+          </a:prstGeom>
+          <a:noFill/>
         </p:spPr>
         <p:txBody>
           <a:bodyPr wrap="square" lIns="91440" tIns="45720" rIns="91440" bIns="45720">
@@ -9394,7 +9841,7 @@
           <a:p>
             <a:pPr algn="ctr"/>
             <a:r>
-              <a:rPr lang="fr-FR" sz="5400" b="1" dirty="0" err="1" smtClean="0">
+              <a:rPr lang="fr-FR" sz="5400" b="1" dirty="0" smtClean="0">
                 <a:ln/>
                 <a:pattFill prst="dkUpDiag">
                   <a:fgClr>
@@ -9418,7 +9865,7 @@
                   </a:outerShdw>
                 </a:effectLst>
               </a:rPr>
-              <a:t>Anonymous</a:t>
+              <a:t>Synoptique capteur I²C</a:t>
             </a:r>
             <a:endParaRPr lang="fr-FR" sz="5400" b="1" dirty="0">
               <a:ln/>
@@ -9447,307 +9894,23 @@
           </a:p>
         </p:txBody>
       </p:sp>
-      <p:sp>
-        <p:nvSpPr>
-          <p:cNvPr id="6" name="Sous-titre 2"/>
-          <p:cNvSpPr txBox="1">
-            <a:spLocks/>
-          </p:cNvSpPr>
-          <p:nvPr/>
-        </p:nvSpPr>
-        <p:spPr>
-          <a:xfrm>
-            <a:off x="4362882" y="5411088"/>
-            <a:ext cx="6987645" cy="1388534"/>
-          </a:xfrm>
-          <a:prstGeom prst="rect">
-            <a:avLst/>
-          </a:prstGeom>
-        </p:spPr>
-        <p:txBody>
-          <a:bodyPr>
-            <a:normAutofit/>
-          </a:bodyPr>
-          <a:lstStyle>
-            <a:lvl1pPr marL="285750" indent="-285750" algn="l" defTabSz="457200" rtl="0" eaLnBrk="1" latinLnBrk="0" hangingPunct="1">
-              <a:spcBef>
-                <a:spcPct val="20000"/>
-              </a:spcBef>
-              <a:spcAft>
-                <a:spcPts val="600"/>
-              </a:spcAft>
-              <a:buClr>
-                <a:schemeClr val="accent1">
-                  <a:lumMod val="75000"/>
-                </a:schemeClr>
-              </a:buClr>
-              <a:buSzPct val="145000"/>
-              <a:buFont typeface="Arial"/>
-              <a:buChar char="•"/>
-              <a:defRPr sz="2400" kern="1200" cap="none">
-                <a:solidFill>
-                  <a:schemeClr val="tx1"/>
-                </a:solidFill>
-                <a:effectLst/>
-                <a:latin typeface="+mn-lt"/>
-                <a:ea typeface="+mn-ea"/>
-                <a:cs typeface="+mn-cs"/>
-              </a:defRPr>
-            </a:lvl1pPr>
-            <a:lvl2pPr marL="742950" indent="-285750" algn="l" defTabSz="457200" rtl="0" eaLnBrk="1" latinLnBrk="0" hangingPunct="1">
-              <a:spcBef>
-                <a:spcPct val="20000"/>
-              </a:spcBef>
-              <a:spcAft>
-                <a:spcPts val="600"/>
-              </a:spcAft>
-              <a:buClr>
-                <a:schemeClr val="accent1">
-                  <a:lumMod val="75000"/>
-                </a:schemeClr>
-              </a:buClr>
-              <a:buSzPct val="145000"/>
-              <a:buFont typeface="Arial"/>
-              <a:buChar char="•"/>
-              <a:defRPr sz="2000" kern="1200" cap="none">
-                <a:solidFill>
-                  <a:schemeClr val="tx1"/>
-                </a:solidFill>
-                <a:effectLst/>
-                <a:latin typeface="+mn-lt"/>
-                <a:ea typeface="+mn-ea"/>
-                <a:cs typeface="+mn-cs"/>
-              </a:defRPr>
-            </a:lvl2pPr>
-            <a:lvl3pPr marL="1200150" indent="-285750" algn="l" defTabSz="457200" rtl="0" eaLnBrk="1" latinLnBrk="0" hangingPunct="1">
-              <a:spcBef>
-                <a:spcPct val="20000"/>
-              </a:spcBef>
-              <a:spcAft>
-                <a:spcPts val="600"/>
-              </a:spcAft>
-              <a:buClr>
-                <a:schemeClr val="accent1">
-                  <a:lumMod val="75000"/>
-                </a:schemeClr>
-              </a:buClr>
-              <a:buSzPct val="145000"/>
-              <a:buFont typeface="Arial"/>
-              <a:buChar char="•"/>
-              <a:defRPr sz="1800" kern="1200" cap="none">
-                <a:solidFill>
-                  <a:schemeClr val="tx1"/>
-                </a:solidFill>
-                <a:effectLst/>
-                <a:latin typeface="+mn-lt"/>
-                <a:ea typeface="+mn-ea"/>
-                <a:cs typeface="+mn-cs"/>
-              </a:defRPr>
-            </a:lvl3pPr>
-            <a:lvl4pPr marL="1543050" indent="-171450" algn="l" defTabSz="457200" rtl="0" eaLnBrk="1" latinLnBrk="0" hangingPunct="1">
-              <a:spcBef>
-                <a:spcPct val="20000"/>
-              </a:spcBef>
-              <a:spcAft>
-                <a:spcPts val="600"/>
-              </a:spcAft>
-              <a:buClr>
-                <a:schemeClr val="accent1">
-                  <a:lumMod val="75000"/>
-                </a:schemeClr>
-              </a:buClr>
-              <a:buSzPct val="145000"/>
-              <a:buFont typeface="Arial"/>
-              <a:buChar char="•"/>
-              <a:defRPr sz="1600" kern="1200" cap="none">
-                <a:solidFill>
-                  <a:schemeClr val="tx1"/>
-                </a:solidFill>
-                <a:effectLst/>
-                <a:latin typeface="+mn-lt"/>
-                <a:ea typeface="+mn-ea"/>
-                <a:cs typeface="+mn-cs"/>
-              </a:defRPr>
-            </a:lvl4pPr>
-            <a:lvl5pPr marL="2000250" indent="-171450" algn="l" defTabSz="457200" rtl="0" eaLnBrk="1" latinLnBrk="0" hangingPunct="1">
-              <a:spcBef>
-                <a:spcPct val="20000"/>
-              </a:spcBef>
-              <a:spcAft>
-                <a:spcPts val="600"/>
-              </a:spcAft>
-              <a:buClr>
-                <a:schemeClr val="accent1">
-                  <a:lumMod val="75000"/>
-                </a:schemeClr>
-              </a:buClr>
-              <a:buSzPct val="145000"/>
-              <a:buFont typeface="Arial"/>
-              <a:buChar char="•"/>
-              <a:defRPr sz="1400" kern="1200" cap="none">
-                <a:solidFill>
-                  <a:schemeClr val="tx1"/>
-                </a:solidFill>
-                <a:effectLst/>
-                <a:latin typeface="+mn-lt"/>
-                <a:ea typeface="+mn-ea"/>
-                <a:cs typeface="+mn-cs"/>
-              </a:defRPr>
-            </a:lvl5pPr>
-            <a:lvl6pPr marL="2514600" indent="-228600" algn="l" defTabSz="457200" rtl="0" eaLnBrk="1" latinLnBrk="0" hangingPunct="1">
-              <a:spcBef>
-                <a:spcPct val="20000"/>
-              </a:spcBef>
-              <a:spcAft>
-                <a:spcPts val="600"/>
-              </a:spcAft>
-              <a:buClr>
-                <a:schemeClr val="accent1">
-                  <a:lumMod val="75000"/>
-                </a:schemeClr>
-              </a:buClr>
-              <a:buSzPct val="145000"/>
-              <a:buFont typeface="Arial"/>
-              <a:buChar char="•"/>
-              <a:defRPr sz="1400" kern="1200" cap="none">
-                <a:solidFill>
-                  <a:schemeClr val="tx1"/>
-                </a:solidFill>
-                <a:effectLst/>
-                <a:latin typeface="+mn-lt"/>
-                <a:ea typeface="+mn-ea"/>
-                <a:cs typeface="+mn-cs"/>
-              </a:defRPr>
-            </a:lvl6pPr>
-            <a:lvl7pPr marL="2971800" indent="-228600" algn="l" defTabSz="457200" rtl="0" eaLnBrk="1" latinLnBrk="0" hangingPunct="1">
-              <a:spcBef>
-                <a:spcPct val="20000"/>
-              </a:spcBef>
-              <a:spcAft>
-                <a:spcPts val="600"/>
-              </a:spcAft>
-              <a:buClr>
-                <a:schemeClr val="accent1">
-                  <a:lumMod val="75000"/>
-                </a:schemeClr>
-              </a:buClr>
-              <a:buSzPct val="145000"/>
-              <a:buFont typeface="Arial"/>
-              <a:buChar char="•"/>
-              <a:defRPr sz="1400" kern="1200" cap="none">
-                <a:solidFill>
-                  <a:schemeClr val="tx1"/>
-                </a:solidFill>
-                <a:effectLst/>
-                <a:latin typeface="+mn-lt"/>
-                <a:ea typeface="+mn-ea"/>
-                <a:cs typeface="+mn-cs"/>
-              </a:defRPr>
-            </a:lvl7pPr>
-            <a:lvl8pPr marL="3429000" indent="-228600" algn="l" defTabSz="457200" rtl="0" eaLnBrk="1" latinLnBrk="0" hangingPunct="1">
-              <a:spcBef>
-                <a:spcPct val="20000"/>
-              </a:spcBef>
-              <a:spcAft>
-                <a:spcPts val="600"/>
-              </a:spcAft>
-              <a:buClr>
-                <a:schemeClr val="accent1">
-                  <a:lumMod val="75000"/>
-                </a:schemeClr>
-              </a:buClr>
-              <a:buSzPct val="145000"/>
-              <a:buFont typeface="Arial"/>
-              <a:buChar char="•"/>
-              <a:defRPr sz="1400" kern="1200" cap="none">
-                <a:solidFill>
-                  <a:schemeClr val="tx1"/>
-                </a:solidFill>
-                <a:effectLst/>
-                <a:latin typeface="+mn-lt"/>
-                <a:ea typeface="+mn-ea"/>
-                <a:cs typeface="+mn-cs"/>
-              </a:defRPr>
-            </a:lvl8pPr>
-            <a:lvl9pPr marL="3886200" indent="-228600" algn="l" defTabSz="457200" rtl="0" eaLnBrk="1" latinLnBrk="0" hangingPunct="1">
-              <a:spcBef>
-                <a:spcPct val="20000"/>
-              </a:spcBef>
-              <a:spcAft>
-                <a:spcPts val="600"/>
-              </a:spcAft>
-              <a:buClr>
-                <a:schemeClr val="accent1">
-                  <a:lumMod val="75000"/>
-                </a:schemeClr>
-              </a:buClr>
-              <a:buSzPct val="145000"/>
-              <a:buFont typeface="Arial"/>
-              <a:buChar char="•"/>
-              <a:defRPr sz="1400" kern="1200" cap="none">
-                <a:solidFill>
-                  <a:schemeClr val="tx1"/>
-                </a:solidFill>
-                <a:effectLst/>
-                <a:latin typeface="+mn-lt"/>
-                <a:ea typeface="+mn-ea"/>
-                <a:cs typeface="+mn-cs"/>
-              </a:defRPr>
-            </a:lvl9pPr>
-          </a:lstStyle>
-          <a:p>
-            <a:pPr marL="0" indent="0">
-              <a:buNone/>
-            </a:pPr>
-            <a:r>
-              <a:rPr lang="fr-FR" sz="2800" dirty="0" smtClean="0"/>
-              <a:t>Expert en sécurité informatique</a:t>
-            </a:r>
-            <a:endParaRPr lang="fr-FR" sz="2800" dirty="0"/>
-          </a:p>
-        </p:txBody>
-      </p:sp>
-      <p:sp>
-        <p:nvSpPr>
-          <p:cNvPr id="2" name="Espace réservé du numéro de diapositive 1"/>
-          <p:cNvSpPr>
-            <a:spLocks noGrp="1"/>
-          </p:cNvSpPr>
-          <p:nvPr>
-            <p:ph type="sldNum" sz="quarter" idx="12"/>
-          </p:nvPr>
-        </p:nvSpPr>
-        <p:spPr/>
-        <p:txBody>
-          <a:bodyPr/>
-          <a:lstStyle/>
-          <a:p>
-            <a:fld id="{D57F1E4F-1CFF-5643-939E-217C01CDF565}" type="slidenum">
-              <a:rPr lang="en-US" smtClean="0"/>
-              <a:pPr/>
-              <a:t>7</a:t>
-            </a:fld>
-            <a:endParaRPr lang="en-US" dirty="0"/>
-          </a:p>
-        </p:txBody>
-      </p:sp>
     </p:spTree>
     <p:extLst>
       <p:ext uri="{BB962C8B-B14F-4D97-AF65-F5344CB8AC3E}">
-        <p14:creationId xmlns:p14="http://schemas.microsoft.com/office/powerpoint/2010/main" val="2005792192"/>
+        <p14:creationId xmlns:p14="http://schemas.microsoft.com/office/powerpoint/2010/main" val="2424965311"/>
       </p:ext>
     </p:extLst>
   </p:cSld>
   <p:clrMapOvr>
     <a:masterClrMapping/>
   </p:clrMapOvr>
-  <mc:AlternateContent xmlns:mc="http://schemas.openxmlformats.org/markup-compatibility/2006" xmlns:p14="http://schemas.microsoft.com/office/powerpoint/2010/main">
-    <mc:Choice Requires="p14">
-      <p:transition spd="slow" p14:dur="2000">
-        <p14:ferris dir="l"/>
+  <mc:AlternateContent xmlns:mc="http://schemas.openxmlformats.org/markup-compatibility/2006">
+    <mc:Choice xmlns:p15="http://schemas.microsoft.com/office/powerpoint/2012/main" Requires="p15">
+      <p:transition xmlns:p14="http://schemas.microsoft.com/office/powerpoint/2010/main" spd="slow" p14:dur="5000">
+        <p15:prstTrans prst="curtains"/>
       </p:transition>
     </mc:Choice>
-    <mc:Fallback xmlns="">
+    <mc:Fallback>
       <p:transition spd="slow">
         <p:fade/>
       </p:transition>
@@ -9780,65 +9943,598 @@
           <a:chExt cx="0" cy="0"/>
         </a:xfrm>
       </p:grpSpPr>
-      <p:pic>
-        <p:nvPicPr>
-          <p:cNvPr id="2" name="Picture 2" descr="http://www.rencontres-competitivite-numerique.com/wp-content/uploads/2014/10/bloc-marque-MEIN.jpg"/>
-          <p:cNvPicPr>
-            <a:picLocks noChangeAspect="1" noChangeArrowheads="1"/>
-          </p:cNvPicPr>
+      <p:sp>
+        <p:nvSpPr>
+          <p:cNvPr id="6" name="Espace réservé du numéro de diapositive 5"/>
+          <p:cNvSpPr>
+            <a:spLocks noGrp="1"/>
+          </p:cNvSpPr>
+          <p:nvPr>
+            <p:ph type="sldNum" sz="quarter" idx="12"/>
+          </p:nvPr>
+        </p:nvSpPr>
+        <p:spPr>
+          <a:xfrm>
+            <a:off x="101600" y="5938203"/>
+            <a:ext cx="551167" cy="697513"/>
+          </a:xfrm>
+        </p:spPr>
+        <p:txBody>
+          <a:bodyPr/>
+          <a:lstStyle/>
+          <a:p>
+            <a:fld id="{D57F1E4F-1CFF-5643-939E-217C01CDF565}" type="slidenum">
+              <a:rPr lang="en-US" sz="4000" smtClean="0"/>
+              <a:pPr/>
+              <a:t>8</a:t>
+            </a:fld>
+            <a:endParaRPr lang="en-US" sz="4000" dirty="0"/>
+          </a:p>
+        </p:txBody>
+      </p:sp>
+      <p:sp>
+        <p:nvSpPr>
+          <p:cNvPr id="21" name="Rectangle 26"/>
+          <p:cNvSpPr>
+            <a:spLocks noChangeArrowheads="1"/>
+          </p:cNvSpPr>
           <p:nvPr/>
-        </p:nvPicPr>
-        <p:blipFill>
-          <a:blip r:embed="rId2">
-            <a:extLst>
-              <a:ext uri="{28A0092B-C50C-407E-A947-70E740481C1C}">
-                <a14:useLocalDpi xmlns:a14="http://schemas.microsoft.com/office/drawing/2010/main" val="0"/>
-              </a:ext>
-            </a:extLst>
-          </a:blip>
-          <a:srcRect/>
-          <a:stretch>
-            <a:fillRect/>
-          </a:stretch>
-        </p:blipFill>
+        </p:nvSpPr>
         <p:spPr bwMode="auto">
           <a:xfrm>
-            <a:off x="9048864" y="3110131"/>
-            <a:ext cx="2313043" cy="2974613"/>
+            <a:off x="2743401" y="650383"/>
+            <a:ext cx="12192000" cy="0"/>
           </a:xfrm>
           <a:prstGeom prst="rect">
             <a:avLst/>
           </a:prstGeom>
-          <a:solidFill>
-            <a:srgbClr val="000000">
-              <a:shade val="95000"/>
-            </a:srgbClr>
-          </a:solidFill>
-          <a:ln w="444500" cap="sq">
-            <a:solidFill>
-              <a:srgbClr val="000000"/>
-            </a:solidFill>
-            <a:miter lim="800000"/>
+          <a:noFill/>
+          <a:ln>
+            <a:noFill/>
           </a:ln>
-          <a:effectLst>
-            <a:outerShdw blurRad="254000" dist="190500" dir="2700000" sy="90000" algn="bl" rotWithShape="0">
-              <a:srgbClr val="000000">
-                <a:alpha val="40000"/>
-              </a:srgbClr>
-            </a:outerShdw>
-          </a:effectLst>
-          <a:extLst/>
-        </p:spPr>
-      </p:pic>
-      <p:sp>
-        <p:nvSpPr>
-          <p:cNvPr id="3" name="Rectangle 2"/>
+          <a:effectLst/>
+          <a:extLst>
+            <a:ext uri="{909E8E84-426E-40DD-AFC4-6F175D3DCCD1}">
+              <a14:hiddenFill xmlns:a14="http://schemas.microsoft.com/office/drawing/2010/main">
+                <a:solidFill>
+                  <a:schemeClr val="accent1"/>
+                </a:solidFill>
+              </a14:hiddenFill>
+            </a:ext>
+            <a:ext uri="{91240B29-F687-4F45-9708-019B960494DF}">
+              <a14:hiddenLine xmlns:a14="http://schemas.microsoft.com/office/drawing/2010/main" w="9525">
+                <a:solidFill>
+                  <a:schemeClr val="tx1"/>
+                </a:solidFill>
+                <a:miter lim="800000"/>
+                <a:headEnd/>
+                <a:tailEnd/>
+              </a14:hiddenLine>
+            </a:ext>
+            <a:ext uri="{AF507438-7753-43E0-B8FC-AC1667EBCBE1}">
+              <a14:hiddenEffects xmlns:a14="http://schemas.microsoft.com/office/drawing/2010/main">
+                <a:effectLst>
+                  <a:outerShdw dist="35921" dir="2700000" algn="ctr" rotWithShape="0">
+                    <a:schemeClr val="bg2"/>
+                  </a:outerShdw>
+                </a:effectLst>
+              </a14:hiddenEffects>
+            </a:ext>
+          </a:extLst>
+        </p:spPr>
+        <p:txBody>
+          <a:bodyPr vert="horz" wrap="none" lIns="91440" tIns="45720" rIns="91440" bIns="45720" numCol="1" anchor="ctr" anchorCtr="0" compatLnSpc="1">
+            <a:prstTxWarp prst="textNoShape">
+              <a:avLst/>
+            </a:prstTxWarp>
+            <a:spAutoFit/>
+          </a:bodyPr>
+          <a:lstStyle/>
+          <a:p>
+            <a:endParaRPr lang="fr-FR"/>
+          </a:p>
+        </p:txBody>
+      </p:sp>
+      <p:sp>
+        <p:nvSpPr>
+          <p:cNvPr id="22" name="Ellipse 21"/>
           <p:cNvSpPr/>
           <p:nvPr/>
         </p:nvSpPr>
         <p:spPr>
           <a:xfrm>
-            <a:off x="1215233" y="1413817"/>
+            <a:off x="2421429" y="1061811"/>
+            <a:ext cx="2459865" cy="1622738"/>
+          </a:xfrm>
+          <a:prstGeom prst="ellipse">
+            <a:avLst/>
+          </a:prstGeom>
+        </p:spPr>
+        <p:style>
+          <a:lnRef idx="2">
+            <a:schemeClr val="accent1">
+              <a:shade val="50000"/>
+            </a:schemeClr>
+          </a:lnRef>
+          <a:fillRef idx="1">
+            <a:schemeClr val="accent1"/>
+          </a:fillRef>
+          <a:effectRef idx="0">
+            <a:schemeClr val="accent1"/>
+          </a:effectRef>
+          <a:fontRef idx="minor">
+            <a:schemeClr val="lt1"/>
+          </a:fontRef>
+        </p:style>
+        <p:txBody>
+          <a:bodyPr rtlCol="0" anchor="ctr"/>
+          <a:lstStyle/>
+          <a:p>
+            <a:pPr algn="ctr"/>
+            <a:r>
+              <a:rPr lang="fr-FR" dirty="0" err="1" smtClean="0"/>
+              <a:t>Raspberry</a:t>
+            </a:r>
+            <a:endParaRPr lang="fr-FR" dirty="0"/>
+          </a:p>
+        </p:txBody>
+      </p:sp>
+      <p:sp>
+        <p:nvSpPr>
+          <p:cNvPr id="23" name="Ellipse 22"/>
+          <p:cNvSpPr/>
+          <p:nvPr/>
+        </p:nvSpPr>
+        <p:spPr>
+          <a:xfrm>
+            <a:off x="6821177" y="4554705"/>
+            <a:ext cx="2459865" cy="1622738"/>
+          </a:xfrm>
+          <a:prstGeom prst="ellipse">
+            <a:avLst/>
+          </a:prstGeom>
+        </p:spPr>
+        <p:style>
+          <a:lnRef idx="2">
+            <a:schemeClr val="accent1">
+              <a:shade val="50000"/>
+            </a:schemeClr>
+          </a:lnRef>
+          <a:fillRef idx="1">
+            <a:schemeClr val="accent1"/>
+          </a:fillRef>
+          <a:effectRef idx="0">
+            <a:schemeClr val="accent1"/>
+          </a:effectRef>
+          <a:fontRef idx="minor">
+            <a:schemeClr val="lt1"/>
+          </a:fontRef>
+        </p:style>
+        <p:txBody>
+          <a:bodyPr rtlCol="0" anchor="ctr"/>
+          <a:lstStyle/>
+          <a:p>
+            <a:pPr algn="ctr"/>
+            <a:r>
+              <a:rPr lang="fr-FR" dirty="0" smtClean="0"/>
+              <a:t>Moteur</a:t>
+            </a:r>
+            <a:endParaRPr lang="fr-FR" dirty="0"/>
+          </a:p>
+        </p:txBody>
+      </p:sp>
+      <p:sp>
+        <p:nvSpPr>
+          <p:cNvPr id="24" name="Rectangle 23"/>
+          <p:cNvSpPr/>
+          <p:nvPr/>
+        </p:nvSpPr>
+        <p:spPr>
+          <a:xfrm>
+            <a:off x="7472094" y="1480374"/>
+            <a:ext cx="1609860" cy="914400"/>
+          </a:xfrm>
+          <a:prstGeom prst="rect">
+            <a:avLst/>
+          </a:prstGeom>
+        </p:spPr>
+        <p:style>
+          <a:lnRef idx="2">
+            <a:schemeClr val="accent1">
+              <a:shade val="50000"/>
+            </a:schemeClr>
+          </a:lnRef>
+          <a:fillRef idx="1">
+            <a:schemeClr val="accent1"/>
+          </a:fillRef>
+          <a:effectRef idx="0">
+            <a:schemeClr val="accent1"/>
+          </a:effectRef>
+          <a:fontRef idx="minor">
+            <a:schemeClr val="lt1"/>
+          </a:fontRef>
+        </p:style>
+        <p:txBody>
+          <a:bodyPr rtlCol="0" anchor="ctr"/>
+          <a:lstStyle/>
+          <a:p>
+            <a:pPr algn="ctr"/>
+            <a:r>
+              <a:rPr lang="fr-FR" dirty="0" smtClean="0"/>
+              <a:t>Pont en H</a:t>
+            </a:r>
+            <a:endParaRPr lang="fr-FR" dirty="0"/>
+          </a:p>
+        </p:txBody>
+      </p:sp>
+      <p:cxnSp>
+        <p:nvCxnSpPr>
+          <p:cNvPr id="27" name="Connecteur droit avec flèche 26"/>
+          <p:cNvCxnSpPr/>
+          <p:nvPr/>
+        </p:nvCxnSpPr>
+        <p:spPr>
+          <a:xfrm flipV="1">
+            <a:off x="5112914" y="1763709"/>
+            <a:ext cx="2189607" cy="6440"/>
+          </a:xfrm>
+          <a:prstGeom prst="straightConnector1">
+            <a:avLst/>
+          </a:prstGeom>
+          <a:ln w="76200">
+            <a:solidFill>
+              <a:schemeClr val="tx1">
+                <a:lumMod val="65000"/>
+                <a:lumOff val="35000"/>
+              </a:schemeClr>
+            </a:solidFill>
+            <a:tailEnd type="triangle"/>
+          </a:ln>
+        </p:spPr>
+        <p:style>
+          <a:lnRef idx="1">
+            <a:schemeClr val="accent1"/>
+          </a:lnRef>
+          <a:fillRef idx="0">
+            <a:schemeClr val="accent1"/>
+          </a:fillRef>
+          <a:effectRef idx="0">
+            <a:schemeClr val="accent1"/>
+          </a:effectRef>
+          <a:fontRef idx="minor">
+            <a:schemeClr val="tx1"/>
+          </a:fontRef>
+        </p:style>
+      </p:cxnSp>
+      <p:cxnSp>
+        <p:nvCxnSpPr>
+          <p:cNvPr id="36" name="Connecteur droit avec flèche 35"/>
+          <p:cNvCxnSpPr/>
+          <p:nvPr/>
+        </p:nvCxnSpPr>
+        <p:spPr>
+          <a:xfrm flipH="1">
+            <a:off x="7830355" y="2632560"/>
+            <a:ext cx="12879" cy="1697932"/>
+          </a:xfrm>
+          <a:prstGeom prst="straightConnector1">
+            <a:avLst/>
+          </a:prstGeom>
+          <a:ln w="76200">
+            <a:solidFill>
+              <a:schemeClr val="tx1">
+                <a:lumMod val="65000"/>
+                <a:lumOff val="35000"/>
+              </a:schemeClr>
+            </a:solidFill>
+            <a:tailEnd type="triangle"/>
+          </a:ln>
+        </p:spPr>
+        <p:style>
+          <a:lnRef idx="1">
+            <a:schemeClr val="accent1"/>
+          </a:lnRef>
+          <a:fillRef idx="0">
+            <a:schemeClr val="accent1"/>
+          </a:fillRef>
+          <a:effectRef idx="0">
+            <a:schemeClr val="accent1"/>
+          </a:effectRef>
+          <a:fontRef idx="minor">
+            <a:schemeClr val="tx1"/>
+          </a:fontRef>
+        </p:style>
+      </p:cxnSp>
+      <p:cxnSp>
+        <p:nvCxnSpPr>
+          <p:cNvPr id="42" name="Connecteur droit avec flèche 41"/>
+          <p:cNvCxnSpPr/>
+          <p:nvPr/>
+        </p:nvCxnSpPr>
+        <p:spPr>
+          <a:xfrm flipH="1" flipV="1">
+            <a:off x="9281042" y="1909870"/>
+            <a:ext cx="1006630" cy="27705"/>
+          </a:xfrm>
+          <a:prstGeom prst="straightConnector1">
+            <a:avLst/>
+          </a:prstGeom>
+          <a:ln w="76200">
+            <a:solidFill>
+              <a:srgbClr val="FF0000"/>
+            </a:solidFill>
+            <a:tailEnd type="triangle"/>
+          </a:ln>
+        </p:spPr>
+        <p:style>
+          <a:lnRef idx="1">
+            <a:schemeClr val="accent1"/>
+          </a:lnRef>
+          <a:fillRef idx="0">
+            <a:schemeClr val="accent1"/>
+          </a:fillRef>
+          <a:effectRef idx="0">
+            <a:schemeClr val="accent1"/>
+          </a:effectRef>
+          <a:fontRef idx="minor">
+            <a:schemeClr val="tx1"/>
+          </a:fontRef>
+        </p:style>
+      </p:cxnSp>
+      <p:sp>
+        <p:nvSpPr>
+          <p:cNvPr id="46" name="ZoneTexte 45"/>
+          <p:cNvSpPr txBox="1"/>
+          <p:nvPr/>
+        </p:nvSpPr>
+        <p:spPr>
+          <a:xfrm>
+            <a:off x="9527476" y="1410655"/>
+            <a:ext cx="433132" cy="400110"/>
+          </a:xfrm>
+          <a:prstGeom prst="rect">
+            <a:avLst/>
+          </a:prstGeom>
+          <a:noFill/>
+        </p:spPr>
+        <p:txBody>
+          <a:bodyPr wrap="none" rtlCol="0">
+            <a:spAutoFit/>
+          </a:bodyPr>
+          <a:lstStyle/>
+          <a:p>
+            <a:r>
+              <a:rPr lang="fr-FR" sz="2000" b="1" dirty="0">
+                <a:solidFill>
+                  <a:srgbClr val="FF0000"/>
+                </a:solidFill>
+                <a:latin typeface="Bernard MT Condensed" panose="02050806060905020404" pitchFamily="18" charset="0"/>
+              </a:rPr>
+              <a:t>9</a:t>
+            </a:r>
+            <a:r>
+              <a:rPr lang="fr-FR" sz="2000" b="1" dirty="0" smtClean="0">
+                <a:solidFill>
+                  <a:srgbClr val="FF0000"/>
+                </a:solidFill>
+                <a:latin typeface="Bernard MT Condensed" panose="02050806060905020404" pitchFamily="18" charset="0"/>
+              </a:rPr>
+              <a:t>V</a:t>
+            </a:r>
+            <a:endParaRPr lang="fr-FR" sz="2000" b="1" dirty="0">
+              <a:solidFill>
+                <a:srgbClr val="FF0000"/>
+              </a:solidFill>
+              <a:latin typeface="Bernard MT Condensed" panose="02050806060905020404" pitchFamily="18" charset="0"/>
+            </a:endParaRPr>
+          </a:p>
+        </p:txBody>
+      </p:sp>
+      <p:cxnSp>
+        <p:nvCxnSpPr>
+          <p:cNvPr id="47" name="Connecteur droit avec flèche 46"/>
+          <p:cNvCxnSpPr/>
+          <p:nvPr/>
+        </p:nvCxnSpPr>
+        <p:spPr>
+          <a:xfrm flipH="1">
+            <a:off x="4587761" y="5595397"/>
+            <a:ext cx="2101946" cy="573930"/>
+          </a:xfrm>
+          <a:prstGeom prst="straightConnector1">
+            <a:avLst/>
+          </a:prstGeom>
+          <a:ln w="76200">
+            <a:solidFill>
+              <a:srgbClr val="FF0000"/>
+            </a:solidFill>
+            <a:tailEnd type="triangle"/>
+          </a:ln>
+        </p:spPr>
+        <p:style>
+          <a:lnRef idx="1">
+            <a:schemeClr val="accent1"/>
+          </a:lnRef>
+          <a:fillRef idx="0">
+            <a:schemeClr val="accent1"/>
+          </a:fillRef>
+          <a:effectRef idx="0">
+            <a:schemeClr val="accent1"/>
+          </a:effectRef>
+          <a:fontRef idx="minor">
+            <a:schemeClr val="tx1"/>
+          </a:fontRef>
+        </p:style>
+      </p:cxnSp>
+      <p:sp>
+        <p:nvSpPr>
+          <p:cNvPr id="50" name="Rectangle 49"/>
+          <p:cNvSpPr/>
+          <p:nvPr/>
+        </p:nvSpPr>
+        <p:spPr>
+          <a:xfrm>
+            <a:off x="2846431" y="5712127"/>
+            <a:ext cx="1609860" cy="914400"/>
+          </a:xfrm>
+          <a:prstGeom prst="rect">
+            <a:avLst/>
+          </a:prstGeom>
+        </p:spPr>
+        <p:style>
+          <a:lnRef idx="2">
+            <a:schemeClr val="accent1">
+              <a:shade val="50000"/>
+            </a:schemeClr>
+          </a:lnRef>
+          <a:fillRef idx="1">
+            <a:schemeClr val="accent1"/>
+          </a:fillRef>
+          <a:effectRef idx="0">
+            <a:schemeClr val="accent1"/>
+          </a:effectRef>
+          <a:fontRef idx="minor">
+            <a:schemeClr val="lt1"/>
+          </a:fontRef>
+        </p:style>
+        <p:txBody>
+          <a:bodyPr rtlCol="0" anchor="ctr"/>
+          <a:lstStyle/>
+          <a:p>
+            <a:pPr algn="ctr"/>
+            <a:r>
+              <a:rPr lang="fr-FR" dirty="0" smtClean="0"/>
+              <a:t>Protection</a:t>
+            </a:r>
+            <a:endParaRPr lang="fr-FR" dirty="0"/>
+          </a:p>
+        </p:txBody>
+      </p:sp>
+      <p:sp>
+        <p:nvSpPr>
+          <p:cNvPr id="52" name="Rectangle 51"/>
+          <p:cNvSpPr/>
+          <p:nvPr/>
+        </p:nvSpPr>
+        <p:spPr>
+          <a:xfrm>
+            <a:off x="1438342" y="3740050"/>
+            <a:ext cx="1609860" cy="914400"/>
+          </a:xfrm>
+          <a:prstGeom prst="rect">
+            <a:avLst/>
+          </a:prstGeom>
+        </p:spPr>
+        <p:style>
+          <a:lnRef idx="2">
+            <a:schemeClr val="accent1">
+              <a:shade val="50000"/>
+            </a:schemeClr>
+          </a:lnRef>
+          <a:fillRef idx="1">
+            <a:schemeClr val="accent1"/>
+          </a:fillRef>
+          <a:effectRef idx="0">
+            <a:schemeClr val="accent1"/>
+          </a:effectRef>
+          <a:fontRef idx="minor">
+            <a:schemeClr val="lt1"/>
+          </a:fontRef>
+        </p:style>
+        <p:txBody>
+          <a:bodyPr rtlCol="0" anchor="ctr"/>
+          <a:lstStyle/>
+          <a:p>
+            <a:pPr algn="ctr"/>
+            <a:r>
+              <a:rPr lang="fr-FR" dirty="0" smtClean="0"/>
+              <a:t>Trigger</a:t>
+            </a:r>
+            <a:endParaRPr lang="fr-FR" dirty="0"/>
+          </a:p>
+        </p:txBody>
+      </p:sp>
+      <p:cxnSp>
+        <p:nvCxnSpPr>
+          <p:cNvPr id="53" name="Connecteur droit avec flèche 52"/>
+          <p:cNvCxnSpPr/>
+          <p:nvPr/>
+        </p:nvCxnSpPr>
+        <p:spPr>
+          <a:xfrm flipH="1" flipV="1">
+            <a:off x="2189809" y="4854641"/>
+            <a:ext cx="1172365" cy="740756"/>
+          </a:xfrm>
+          <a:prstGeom prst="straightConnector1">
+            <a:avLst/>
+          </a:prstGeom>
+          <a:ln w="76200">
+            <a:solidFill>
+              <a:srgbClr val="FF0000"/>
+            </a:solidFill>
+            <a:tailEnd type="triangle"/>
+          </a:ln>
+        </p:spPr>
+        <p:style>
+          <a:lnRef idx="1">
+            <a:schemeClr val="accent1"/>
+          </a:lnRef>
+          <a:fillRef idx="0">
+            <a:schemeClr val="accent1"/>
+          </a:fillRef>
+          <a:effectRef idx="0">
+            <a:schemeClr val="accent1"/>
+          </a:effectRef>
+          <a:fontRef idx="minor">
+            <a:schemeClr val="tx1"/>
+          </a:fontRef>
+        </p:style>
+      </p:cxnSp>
+      <p:cxnSp>
+        <p:nvCxnSpPr>
+          <p:cNvPr id="57" name="Connecteur droit avec flèche 56"/>
+          <p:cNvCxnSpPr/>
+          <p:nvPr/>
+        </p:nvCxnSpPr>
+        <p:spPr>
+          <a:xfrm flipV="1">
+            <a:off x="2243272" y="2690767"/>
+            <a:ext cx="532720" cy="849092"/>
+          </a:xfrm>
+          <a:prstGeom prst="straightConnector1">
+            <a:avLst/>
+          </a:prstGeom>
+          <a:ln w="76200">
+            <a:solidFill>
+              <a:srgbClr val="FF0000"/>
+            </a:solidFill>
+            <a:tailEnd type="triangle"/>
+          </a:ln>
+        </p:spPr>
+        <p:style>
+          <a:lnRef idx="1">
+            <a:schemeClr val="accent1"/>
+          </a:lnRef>
+          <a:fillRef idx="0">
+            <a:schemeClr val="accent1"/>
+          </a:fillRef>
+          <a:effectRef idx="0">
+            <a:schemeClr val="accent1"/>
+          </a:effectRef>
+          <a:fontRef idx="minor">
+            <a:schemeClr val="tx1"/>
+          </a:fontRef>
+        </p:style>
+      </p:cxnSp>
+      <p:sp>
+        <p:nvSpPr>
+          <p:cNvPr id="61" name="Rectangle 60"/>
+          <p:cNvSpPr/>
+          <p:nvPr/>
+        </p:nvSpPr>
+        <p:spPr>
+          <a:xfrm>
+            <a:off x="4269782" y="238956"/>
             <a:ext cx="8263471" cy="923330"/>
           </a:xfrm>
           <a:prstGeom prst="rect">
@@ -9878,7 +10574,7 @@
                   </a:outerShdw>
                 </a:effectLst>
               </a:rPr>
-              <a:t>Marine Lemaire</a:t>
+              <a:t>Synoptique moteur</a:t>
             </a:r>
             <a:endParaRPr lang="fr-FR" sz="5400" b="1" dirty="0">
               <a:ln/>
@@ -9909,800 +10605,265 @@
       </p:sp>
       <p:sp>
         <p:nvSpPr>
-          <p:cNvPr id="4" name="Sous-titre 2"/>
-          <p:cNvSpPr txBox="1">
-            <a:spLocks/>
-          </p:cNvSpPr>
+          <p:cNvPr id="26" name="Ellipse 25"/>
+          <p:cNvSpPr/>
           <p:nvPr/>
         </p:nvSpPr>
         <p:spPr>
           <a:xfrm>
-            <a:off x="1853145" y="2516744"/>
-            <a:ext cx="6987645" cy="1388534"/>
+            <a:off x="10406130" y="1340441"/>
+            <a:ext cx="1695718" cy="1254713"/>
+          </a:xfrm>
+          <a:prstGeom prst="ellipse">
+            <a:avLst/>
+          </a:prstGeom>
+        </p:spPr>
+        <p:style>
+          <a:lnRef idx="2">
+            <a:schemeClr val="accent1">
+              <a:shade val="50000"/>
+            </a:schemeClr>
+          </a:lnRef>
+          <a:fillRef idx="1">
+            <a:schemeClr val="accent1"/>
+          </a:fillRef>
+          <a:effectRef idx="0">
+            <a:schemeClr val="accent1"/>
+          </a:effectRef>
+          <a:fontRef idx="minor">
+            <a:schemeClr val="lt1"/>
+          </a:fontRef>
+        </p:style>
+        <p:txBody>
+          <a:bodyPr rtlCol="0" anchor="ctr"/>
+          <a:lstStyle/>
+          <a:p>
+            <a:pPr algn="ctr"/>
+            <a:r>
+              <a:rPr lang="fr-FR" dirty="0" smtClean="0"/>
+              <a:t>Batterie</a:t>
+            </a:r>
+            <a:endParaRPr lang="fr-FR" dirty="0"/>
+          </a:p>
+        </p:txBody>
+      </p:sp>
+      <p:sp>
+        <p:nvSpPr>
+          <p:cNvPr id="29" name="ZoneTexte 28"/>
+          <p:cNvSpPr txBox="1"/>
+          <p:nvPr/>
+        </p:nvSpPr>
+        <p:spPr>
+          <a:xfrm>
+            <a:off x="5465312" y="5312017"/>
+            <a:ext cx="433132" cy="400110"/>
           </a:xfrm>
           <a:prstGeom prst="rect">
             <a:avLst/>
           </a:prstGeom>
-        </p:spPr>
-        <p:txBody>
-          <a:bodyPr>
-            <a:normAutofit/>
+          <a:noFill/>
+        </p:spPr>
+        <p:txBody>
+          <a:bodyPr wrap="none" rtlCol="0">
+            <a:spAutoFit/>
           </a:bodyPr>
-          <a:lstStyle>
-            <a:lvl1pPr marL="285750" indent="-285750" algn="l" defTabSz="457200" rtl="0" eaLnBrk="1" latinLnBrk="0" hangingPunct="1">
-              <a:spcBef>
-                <a:spcPct val="20000"/>
-              </a:spcBef>
-              <a:spcAft>
-                <a:spcPts val="600"/>
-              </a:spcAft>
-              <a:buClr>
-                <a:schemeClr val="accent1">
-                  <a:lumMod val="75000"/>
-                </a:schemeClr>
-              </a:buClr>
-              <a:buSzPct val="145000"/>
-              <a:buFont typeface="Arial"/>
-              <a:buChar char="•"/>
-              <a:defRPr sz="2400" kern="1200" cap="none">
-                <a:solidFill>
-                  <a:schemeClr val="tx1"/>
-                </a:solidFill>
-                <a:effectLst/>
-                <a:latin typeface="+mn-lt"/>
-                <a:ea typeface="+mn-ea"/>
-                <a:cs typeface="+mn-cs"/>
-              </a:defRPr>
-            </a:lvl1pPr>
-            <a:lvl2pPr marL="742950" indent="-285750" algn="l" defTabSz="457200" rtl="0" eaLnBrk="1" latinLnBrk="0" hangingPunct="1">
-              <a:spcBef>
-                <a:spcPct val="20000"/>
-              </a:spcBef>
-              <a:spcAft>
-                <a:spcPts val="600"/>
-              </a:spcAft>
-              <a:buClr>
-                <a:schemeClr val="accent1">
-                  <a:lumMod val="75000"/>
-                </a:schemeClr>
-              </a:buClr>
-              <a:buSzPct val="145000"/>
-              <a:buFont typeface="Arial"/>
-              <a:buChar char="•"/>
-              <a:defRPr sz="2000" kern="1200" cap="none">
-                <a:solidFill>
-                  <a:schemeClr val="tx1"/>
-                </a:solidFill>
-                <a:effectLst/>
-                <a:latin typeface="+mn-lt"/>
-                <a:ea typeface="+mn-ea"/>
-                <a:cs typeface="+mn-cs"/>
-              </a:defRPr>
-            </a:lvl2pPr>
-            <a:lvl3pPr marL="1200150" indent="-285750" algn="l" defTabSz="457200" rtl="0" eaLnBrk="1" latinLnBrk="0" hangingPunct="1">
-              <a:spcBef>
-                <a:spcPct val="20000"/>
-              </a:spcBef>
-              <a:spcAft>
-                <a:spcPts val="600"/>
-              </a:spcAft>
-              <a:buClr>
-                <a:schemeClr val="accent1">
-                  <a:lumMod val="75000"/>
-                </a:schemeClr>
-              </a:buClr>
-              <a:buSzPct val="145000"/>
-              <a:buFont typeface="Arial"/>
-              <a:buChar char="•"/>
-              <a:defRPr sz="1800" kern="1200" cap="none">
-                <a:solidFill>
-                  <a:schemeClr val="tx1"/>
-                </a:solidFill>
-                <a:effectLst/>
-                <a:latin typeface="+mn-lt"/>
-                <a:ea typeface="+mn-ea"/>
-                <a:cs typeface="+mn-cs"/>
-              </a:defRPr>
-            </a:lvl3pPr>
-            <a:lvl4pPr marL="1543050" indent="-171450" algn="l" defTabSz="457200" rtl="0" eaLnBrk="1" latinLnBrk="0" hangingPunct="1">
-              <a:spcBef>
-                <a:spcPct val="20000"/>
-              </a:spcBef>
-              <a:spcAft>
-                <a:spcPts val="600"/>
-              </a:spcAft>
-              <a:buClr>
-                <a:schemeClr val="accent1">
-                  <a:lumMod val="75000"/>
-                </a:schemeClr>
-              </a:buClr>
-              <a:buSzPct val="145000"/>
-              <a:buFont typeface="Arial"/>
-              <a:buChar char="•"/>
-              <a:defRPr sz="1600" kern="1200" cap="none">
-                <a:solidFill>
-                  <a:schemeClr val="tx1"/>
-                </a:solidFill>
-                <a:effectLst/>
-                <a:latin typeface="+mn-lt"/>
-                <a:ea typeface="+mn-ea"/>
-                <a:cs typeface="+mn-cs"/>
-              </a:defRPr>
-            </a:lvl4pPr>
-            <a:lvl5pPr marL="2000250" indent="-171450" algn="l" defTabSz="457200" rtl="0" eaLnBrk="1" latinLnBrk="0" hangingPunct="1">
-              <a:spcBef>
-                <a:spcPct val="20000"/>
-              </a:spcBef>
-              <a:spcAft>
-                <a:spcPts val="600"/>
-              </a:spcAft>
-              <a:buClr>
-                <a:schemeClr val="accent1">
-                  <a:lumMod val="75000"/>
-                </a:schemeClr>
-              </a:buClr>
-              <a:buSzPct val="145000"/>
-              <a:buFont typeface="Arial"/>
-              <a:buChar char="•"/>
-              <a:defRPr sz="1400" kern="1200" cap="none">
-                <a:solidFill>
-                  <a:schemeClr val="tx1"/>
-                </a:solidFill>
-                <a:effectLst/>
-                <a:latin typeface="+mn-lt"/>
-                <a:ea typeface="+mn-ea"/>
-                <a:cs typeface="+mn-cs"/>
-              </a:defRPr>
-            </a:lvl5pPr>
-            <a:lvl6pPr marL="2514600" indent="-228600" algn="l" defTabSz="457200" rtl="0" eaLnBrk="1" latinLnBrk="0" hangingPunct="1">
-              <a:spcBef>
-                <a:spcPct val="20000"/>
-              </a:spcBef>
-              <a:spcAft>
-                <a:spcPts val="600"/>
-              </a:spcAft>
-              <a:buClr>
-                <a:schemeClr val="accent1">
-                  <a:lumMod val="75000"/>
-                </a:schemeClr>
-              </a:buClr>
-              <a:buSzPct val="145000"/>
-              <a:buFont typeface="Arial"/>
-              <a:buChar char="•"/>
-              <a:defRPr sz="1400" kern="1200" cap="none">
-                <a:solidFill>
-                  <a:schemeClr val="tx1"/>
-                </a:solidFill>
-                <a:effectLst/>
-                <a:latin typeface="+mn-lt"/>
-                <a:ea typeface="+mn-ea"/>
-                <a:cs typeface="+mn-cs"/>
-              </a:defRPr>
-            </a:lvl6pPr>
-            <a:lvl7pPr marL="2971800" indent="-228600" algn="l" defTabSz="457200" rtl="0" eaLnBrk="1" latinLnBrk="0" hangingPunct="1">
-              <a:spcBef>
-                <a:spcPct val="20000"/>
-              </a:spcBef>
-              <a:spcAft>
-                <a:spcPts val="600"/>
-              </a:spcAft>
-              <a:buClr>
-                <a:schemeClr val="accent1">
-                  <a:lumMod val="75000"/>
-                </a:schemeClr>
-              </a:buClr>
-              <a:buSzPct val="145000"/>
-              <a:buFont typeface="Arial"/>
-              <a:buChar char="•"/>
-              <a:defRPr sz="1400" kern="1200" cap="none">
-                <a:solidFill>
-                  <a:schemeClr val="tx1"/>
-                </a:solidFill>
-                <a:effectLst/>
-                <a:latin typeface="+mn-lt"/>
-                <a:ea typeface="+mn-ea"/>
-                <a:cs typeface="+mn-cs"/>
-              </a:defRPr>
-            </a:lvl7pPr>
-            <a:lvl8pPr marL="3429000" indent="-228600" algn="l" defTabSz="457200" rtl="0" eaLnBrk="1" latinLnBrk="0" hangingPunct="1">
-              <a:spcBef>
-                <a:spcPct val="20000"/>
-              </a:spcBef>
-              <a:spcAft>
-                <a:spcPts val="600"/>
-              </a:spcAft>
-              <a:buClr>
-                <a:schemeClr val="accent1">
-                  <a:lumMod val="75000"/>
-                </a:schemeClr>
-              </a:buClr>
-              <a:buSzPct val="145000"/>
-              <a:buFont typeface="Arial"/>
-              <a:buChar char="•"/>
-              <a:defRPr sz="1400" kern="1200" cap="none">
-                <a:solidFill>
-                  <a:schemeClr val="tx1"/>
-                </a:solidFill>
-                <a:effectLst/>
-                <a:latin typeface="+mn-lt"/>
-                <a:ea typeface="+mn-ea"/>
-                <a:cs typeface="+mn-cs"/>
-              </a:defRPr>
-            </a:lvl8pPr>
-            <a:lvl9pPr marL="3886200" indent="-228600" algn="l" defTabSz="457200" rtl="0" eaLnBrk="1" latinLnBrk="0" hangingPunct="1">
-              <a:spcBef>
-                <a:spcPct val="20000"/>
-              </a:spcBef>
-              <a:spcAft>
-                <a:spcPts val="600"/>
-              </a:spcAft>
-              <a:buClr>
-                <a:schemeClr val="accent1">
-                  <a:lumMod val="75000"/>
-                </a:schemeClr>
-              </a:buClr>
-              <a:buSzPct val="145000"/>
-              <a:buFont typeface="Arial"/>
-              <a:buChar char="•"/>
-              <a:defRPr sz="1400" kern="1200" cap="none">
-                <a:solidFill>
-                  <a:schemeClr val="tx1"/>
-                </a:solidFill>
-                <a:effectLst/>
-                <a:latin typeface="+mn-lt"/>
-                <a:ea typeface="+mn-ea"/>
-                <a:cs typeface="+mn-cs"/>
-              </a:defRPr>
-            </a:lvl9pPr>
-          </a:lstStyle>
-          <a:p>
-            <a:pPr marL="0" indent="0">
-              <a:buNone/>
-            </a:pPr>
-            <a:r>
-              <a:rPr lang="fr-FR" sz="2800" dirty="0" smtClean="0"/>
-              <a:t>Ministre de l’économie et du numérique</a:t>
-            </a:r>
-            <a:endParaRPr lang="fr-FR" sz="2800" dirty="0"/>
-          </a:p>
-        </p:txBody>
-      </p:sp>
-      <p:sp>
-        <p:nvSpPr>
-          <p:cNvPr id="5" name="Espace réservé du numéro de diapositive 4"/>
-          <p:cNvSpPr>
-            <a:spLocks noGrp="1"/>
-          </p:cNvSpPr>
-          <p:nvPr>
-            <p:ph type="sldNum" sz="quarter" idx="12"/>
-          </p:nvPr>
-        </p:nvSpPr>
-        <p:spPr/>
-        <p:txBody>
-          <a:bodyPr/>
           <a:lstStyle/>
           <a:p>
-            <a:fld id="{D57F1E4F-1CFF-5643-939E-217C01CDF565}" type="slidenum">
-              <a:rPr lang="en-US" smtClean="0"/>
-              <a:pPr/>
-              <a:t>8</a:t>
-            </a:fld>
-            <a:endParaRPr lang="en-US" dirty="0"/>
+            <a:r>
+              <a:rPr lang="fr-FR" sz="2000" b="1" dirty="0" smtClean="0">
+                <a:solidFill>
+                  <a:srgbClr val="FF0000"/>
+                </a:solidFill>
+                <a:latin typeface="Bernard MT Condensed" panose="02050806060905020404" pitchFamily="18" charset="0"/>
+              </a:rPr>
+              <a:t>5V</a:t>
+            </a:r>
+            <a:endParaRPr lang="fr-FR" sz="2000" b="1" dirty="0">
+              <a:solidFill>
+                <a:srgbClr val="FF0000"/>
+              </a:solidFill>
+              <a:latin typeface="Bernard MT Condensed" panose="02050806060905020404" pitchFamily="18" charset="0"/>
+            </a:endParaRPr>
+          </a:p>
+        </p:txBody>
+      </p:sp>
+      <p:sp>
+        <p:nvSpPr>
+          <p:cNvPr id="30" name="ZoneTexte 29"/>
+          <p:cNvSpPr txBox="1"/>
+          <p:nvPr/>
+        </p:nvSpPr>
+        <p:spPr>
+          <a:xfrm>
+            <a:off x="2980816" y="4854641"/>
+            <a:ext cx="433132" cy="400110"/>
+          </a:xfrm>
+          <a:prstGeom prst="rect">
+            <a:avLst/>
+          </a:prstGeom>
+          <a:noFill/>
+        </p:spPr>
+        <p:txBody>
+          <a:bodyPr wrap="none" rtlCol="0">
+            <a:spAutoFit/>
+          </a:bodyPr>
+          <a:lstStyle/>
+          <a:p>
+            <a:r>
+              <a:rPr lang="fr-FR" sz="2000" b="1" dirty="0" smtClean="0">
+                <a:solidFill>
+                  <a:srgbClr val="FF0000"/>
+                </a:solidFill>
+                <a:latin typeface="Bernard MT Condensed" panose="02050806060905020404" pitchFamily="18" charset="0"/>
+              </a:rPr>
+              <a:t>5V</a:t>
+            </a:r>
+            <a:endParaRPr lang="fr-FR" sz="2000" b="1" dirty="0">
+              <a:solidFill>
+                <a:srgbClr val="FF0000"/>
+              </a:solidFill>
+              <a:latin typeface="Bernard MT Condensed" panose="02050806060905020404" pitchFamily="18" charset="0"/>
+            </a:endParaRPr>
+          </a:p>
+        </p:txBody>
+      </p:sp>
+      <p:sp>
+        <p:nvSpPr>
+          <p:cNvPr id="32" name="ZoneTexte 31"/>
+          <p:cNvSpPr txBox="1"/>
+          <p:nvPr/>
+        </p:nvSpPr>
+        <p:spPr>
+          <a:xfrm>
+            <a:off x="2745654" y="3070725"/>
+            <a:ext cx="625492" cy="400110"/>
+          </a:xfrm>
+          <a:prstGeom prst="rect">
+            <a:avLst/>
+          </a:prstGeom>
+          <a:noFill/>
+        </p:spPr>
+        <p:txBody>
+          <a:bodyPr wrap="none" rtlCol="0">
+            <a:spAutoFit/>
+          </a:bodyPr>
+          <a:lstStyle/>
+          <a:p>
+            <a:r>
+              <a:rPr lang="fr-FR" sz="2000" b="1" dirty="0" smtClean="0">
+                <a:solidFill>
+                  <a:srgbClr val="FF0000"/>
+                </a:solidFill>
+                <a:latin typeface="Bernard MT Condensed" panose="02050806060905020404" pitchFamily="18" charset="0"/>
+              </a:rPr>
+              <a:t>3,3V</a:t>
+            </a:r>
+            <a:endParaRPr lang="fr-FR" sz="2000" b="1" dirty="0">
+              <a:solidFill>
+                <a:srgbClr val="FF0000"/>
+              </a:solidFill>
+              <a:latin typeface="Bernard MT Condensed" panose="02050806060905020404" pitchFamily="18" charset="0"/>
+            </a:endParaRPr>
+          </a:p>
+        </p:txBody>
+      </p:sp>
+      <p:sp>
+        <p:nvSpPr>
+          <p:cNvPr id="33" name="ZoneTexte 32"/>
+          <p:cNvSpPr txBox="1"/>
+          <p:nvPr/>
+        </p:nvSpPr>
+        <p:spPr>
+          <a:xfrm>
+            <a:off x="5772338" y="1953183"/>
+            <a:ext cx="625492" cy="400110"/>
+          </a:xfrm>
+          <a:prstGeom prst="rect">
+            <a:avLst/>
+          </a:prstGeom>
+          <a:noFill/>
+        </p:spPr>
+        <p:txBody>
+          <a:bodyPr wrap="none" rtlCol="0">
+            <a:spAutoFit/>
+          </a:bodyPr>
+          <a:lstStyle/>
+          <a:p>
+            <a:r>
+              <a:rPr lang="fr-FR" sz="2000" b="1" dirty="0" smtClean="0">
+                <a:solidFill>
+                  <a:srgbClr val="FF0000"/>
+                </a:solidFill>
+                <a:latin typeface="Bernard MT Condensed" panose="02050806060905020404" pitchFamily="18" charset="0"/>
+              </a:rPr>
+              <a:t>3,3V</a:t>
+            </a:r>
+            <a:endParaRPr lang="fr-FR" sz="2000" b="1" dirty="0">
+              <a:solidFill>
+                <a:srgbClr val="FF0000"/>
+              </a:solidFill>
+              <a:latin typeface="Bernard MT Condensed" panose="02050806060905020404" pitchFamily="18" charset="0"/>
+            </a:endParaRPr>
+          </a:p>
+        </p:txBody>
+      </p:sp>
+      <p:sp>
+        <p:nvSpPr>
+          <p:cNvPr id="34" name="ZoneTexte 33"/>
+          <p:cNvSpPr txBox="1"/>
+          <p:nvPr/>
+        </p:nvSpPr>
+        <p:spPr>
+          <a:xfrm>
+            <a:off x="7217742" y="3139749"/>
+            <a:ext cx="433132" cy="400110"/>
+          </a:xfrm>
+          <a:prstGeom prst="rect">
+            <a:avLst/>
+          </a:prstGeom>
+          <a:noFill/>
+        </p:spPr>
+        <p:txBody>
+          <a:bodyPr wrap="none" rtlCol="0">
+            <a:spAutoFit/>
+          </a:bodyPr>
+          <a:lstStyle/>
+          <a:p>
+            <a:r>
+              <a:rPr lang="fr-FR" sz="2000" b="1" dirty="0" smtClean="0">
+                <a:solidFill>
+                  <a:srgbClr val="FF0000"/>
+                </a:solidFill>
+                <a:latin typeface="Bernard MT Condensed" panose="02050806060905020404" pitchFamily="18" charset="0"/>
+              </a:rPr>
+              <a:t>9V</a:t>
+            </a:r>
+            <a:endParaRPr lang="fr-FR" sz="2000" b="1" dirty="0">
+              <a:solidFill>
+                <a:srgbClr val="FF0000"/>
+              </a:solidFill>
+              <a:latin typeface="Bernard MT Condensed" panose="02050806060905020404" pitchFamily="18" charset="0"/>
+            </a:endParaRPr>
           </a:p>
         </p:txBody>
       </p:sp>
     </p:spTree>
     <p:extLst>
       <p:ext uri="{BB962C8B-B14F-4D97-AF65-F5344CB8AC3E}">
-        <p14:creationId xmlns:p14="http://schemas.microsoft.com/office/powerpoint/2010/main" val="3927389180"/>
+        <p14:creationId xmlns:p14="http://schemas.microsoft.com/office/powerpoint/2010/main" val="114981107"/>
       </p:ext>
     </p:extLst>
   </p:cSld>
   <p:clrMapOvr>
     <a:masterClrMapping/>
   </p:clrMapOvr>
-  <mc:AlternateContent xmlns:mc="http://schemas.openxmlformats.org/markup-compatibility/2006" xmlns:p14="http://schemas.microsoft.com/office/powerpoint/2010/main">
-    <mc:Choice Requires="p14">
-      <p:transition spd="slow" p14:dur="1600">
-        <p14:prism isContent="1" isInverted="1"/>
+  <mc:AlternateContent xmlns:mc="http://schemas.openxmlformats.org/markup-compatibility/2006">
+    <mc:Choice xmlns:p15="http://schemas.microsoft.com/office/powerpoint/2012/main" Requires="p15">
+      <p:transition xmlns:p14="http://schemas.microsoft.com/office/powerpoint/2010/main" spd="slow" p14:dur="5000">
+        <p15:prstTrans prst="curtains"/>
       </p:transition>
     </mc:Choice>
-    <mc:Fallback xmlns="">
-      <p:transition spd="slow">
-        <p:fade/>
-      </p:transition>
-    </mc:Fallback>
-  </mc:AlternateContent>
-  <p:timing>
-    <p:tnLst>
-      <p:par>
-        <p:cTn id="1" dur="indefinite" restart="never" nodeType="tmRoot"/>
-      </p:par>
-    </p:tnLst>
-  </p:timing>
-</p:sld>
-</file>
-
-<file path=ppt/slides/slide9.xml><?xml version="1.0" encoding="utf-8"?>
-<p:sld xmlns:a="http://schemas.openxmlformats.org/drawingml/2006/main" xmlns:r="http://schemas.openxmlformats.org/officeDocument/2006/relationships" xmlns:p="http://schemas.openxmlformats.org/presentationml/2006/main">
-  <p:cSld>
-    <p:spTree>
-      <p:nvGrpSpPr>
-        <p:cNvPr id="1" name=""/>
-        <p:cNvGrpSpPr/>
-        <p:nvPr/>
-      </p:nvGrpSpPr>
-      <p:grpSpPr>
-        <a:xfrm>
-          <a:off x="0" y="0"/>
-          <a:ext cx="0" cy="0"/>
-          <a:chOff x="0" y="0"/>
-          <a:chExt cx="0" cy="0"/>
-        </a:xfrm>
-      </p:grpSpPr>
-      <p:pic>
-        <p:nvPicPr>
-          <p:cNvPr id="2" name="Picture 2" descr="http://www.google.fr/url?source=imglanding&amp;ct=img&amp;q=http://img4.wikia.nocookie.net/__cb20140528025038/villains/images/9/9c/Tumblr_static_transcendence_rift_logo.jpg&amp;sa=X&amp;ei=myFDVbvjBJfvaOLggaAC&amp;ved=0CAkQ8wc4QQ&amp;usg=AFQjCNHMykkprj3vGzFSOypNiDqgLBCYoQ"/>
-          <p:cNvPicPr>
-            <a:picLocks noChangeAspect="1" noChangeArrowheads="1"/>
-          </p:cNvPicPr>
-          <p:nvPr/>
-        </p:nvPicPr>
-        <p:blipFill>
-          <a:blip r:embed="rId2" cstate="print">
-            <a:extLst>
-              <a:ext uri="{28A0092B-C50C-407E-A947-70E740481C1C}">
-                <a14:useLocalDpi xmlns:a14="http://schemas.microsoft.com/office/drawing/2010/main" val="0"/>
-              </a:ext>
-            </a:extLst>
-          </a:blip>
-          <a:srcRect/>
-          <a:stretch>
-            <a:fillRect/>
-          </a:stretch>
-        </p:blipFill>
-        <p:spPr bwMode="auto">
-          <a:xfrm>
-            <a:off x="6551128" y="638163"/>
-            <a:ext cx="4042828" cy="2520280"/>
-          </a:xfrm>
-          <a:prstGeom prst="rect">
-            <a:avLst/>
-          </a:prstGeom>
-          <a:ln>
-            <a:noFill/>
-          </a:ln>
-          <a:effectLst>
-            <a:outerShdw blurRad="292100" dist="139700" dir="2700000" algn="tl" rotWithShape="0">
-              <a:srgbClr val="333333">
-                <a:alpha val="65000"/>
-              </a:srgbClr>
-            </a:outerShdw>
-          </a:effectLst>
-          <a:extLst>
-            <a:ext uri="{909E8E84-426E-40DD-AFC4-6F175D3DCCD1}">
-              <a14:hiddenFill xmlns:a14="http://schemas.microsoft.com/office/drawing/2010/main">
-                <a:solidFill>
-                  <a:srgbClr val="FFFFFF"/>
-                </a:solidFill>
-              </a14:hiddenFill>
-            </a:ext>
-          </a:extLst>
-        </p:spPr>
-      </p:pic>
-      <p:sp>
-        <p:nvSpPr>
-          <p:cNvPr id="3" name="Rectangle 2"/>
-          <p:cNvSpPr/>
-          <p:nvPr/>
-        </p:nvSpPr>
-        <p:spPr>
-          <a:xfrm>
-            <a:off x="2042084" y="4166744"/>
-            <a:ext cx="8263471" cy="923330"/>
-          </a:xfrm>
-          <a:prstGeom prst="rect">
-            <a:avLst/>
-          </a:prstGeom>
-          <a:noFill/>
-        </p:spPr>
-        <p:txBody>
-          <a:bodyPr wrap="square" lIns="91440" tIns="45720" rIns="91440" bIns="45720">
-            <a:spAutoFit/>
-          </a:bodyPr>
-          <a:lstStyle/>
-          <a:p>
-            <a:pPr algn="ctr"/>
-            <a:r>
-              <a:rPr lang="fr-FR" sz="5400" b="1" dirty="0" smtClean="0">
-                <a:ln/>
-                <a:pattFill prst="dkUpDiag">
-                  <a:fgClr>
-                    <a:schemeClr val="bg1">
-                      <a:lumMod val="50000"/>
-                    </a:schemeClr>
-                  </a:fgClr>
-                  <a:bgClr>
-                    <a:schemeClr val="tx1">
-                      <a:lumMod val="75000"/>
-                      <a:lumOff val="25000"/>
-                    </a:schemeClr>
-                  </a:bgClr>
-                </a:pattFill>
-                <a:effectLst>
-                  <a:outerShdw blurRad="38100" dist="19050" dir="2700000" algn="tl" rotWithShape="0">
-                    <a:schemeClr val="dk1">
-                      <a:lumMod val="50000"/>
-                      <a:alpha val="40000"/>
-                    </a:schemeClr>
-                  </a:outerShdw>
-                </a:effectLst>
-              </a:rPr>
-              <a:t>Romain Sauvage</a:t>
-            </a:r>
-            <a:endParaRPr lang="fr-FR" sz="5400" b="1" dirty="0">
-              <a:ln/>
-              <a:pattFill prst="dkUpDiag">
-                <a:fgClr>
-                  <a:schemeClr val="bg1">
-                    <a:lumMod val="50000"/>
-                  </a:schemeClr>
-                </a:fgClr>
-                <a:bgClr>
-                  <a:schemeClr val="tx1">
-                    <a:lumMod val="75000"/>
-                    <a:lumOff val="25000"/>
-                  </a:schemeClr>
-                </a:bgClr>
-              </a:pattFill>
-              <a:effectLst>
-                <a:outerShdw blurRad="38100" dist="19050" dir="2700000" algn="tl" rotWithShape="0">
-                  <a:schemeClr val="dk1">
-                    <a:lumMod val="50000"/>
-                    <a:alpha val="40000"/>
-                  </a:schemeClr>
-                </a:outerShdw>
-              </a:effectLst>
-            </a:endParaRPr>
-          </a:p>
-        </p:txBody>
-      </p:sp>
-      <p:sp>
-        <p:nvSpPr>
-          <p:cNvPr id="4" name="Sous-titre 2"/>
-          <p:cNvSpPr txBox="1">
-            <a:spLocks/>
-          </p:cNvSpPr>
-          <p:nvPr/>
-        </p:nvSpPr>
-        <p:spPr>
-          <a:xfrm>
-            <a:off x="2388167" y="5306831"/>
-            <a:ext cx="8886191" cy="1388534"/>
-          </a:xfrm>
-          <a:prstGeom prst="rect">
-            <a:avLst/>
-          </a:prstGeom>
-        </p:spPr>
-        <p:txBody>
-          <a:bodyPr>
-            <a:normAutofit/>
-          </a:bodyPr>
-          <a:lstStyle>
-            <a:lvl1pPr marL="285750" indent="-285750" algn="l" defTabSz="457200" rtl="0" eaLnBrk="1" latinLnBrk="0" hangingPunct="1">
-              <a:spcBef>
-                <a:spcPct val="20000"/>
-              </a:spcBef>
-              <a:spcAft>
-                <a:spcPts val="600"/>
-              </a:spcAft>
-              <a:buClr>
-                <a:schemeClr val="accent1">
-                  <a:lumMod val="75000"/>
-                </a:schemeClr>
-              </a:buClr>
-              <a:buSzPct val="145000"/>
-              <a:buFont typeface="Arial"/>
-              <a:buChar char="•"/>
-              <a:defRPr sz="2400" kern="1200" cap="none">
-                <a:solidFill>
-                  <a:schemeClr val="tx1"/>
-                </a:solidFill>
-                <a:effectLst/>
-                <a:latin typeface="+mn-lt"/>
-                <a:ea typeface="+mn-ea"/>
-                <a:cs typeface="+mn-cs"/>
-              </a:defRPr>
-            </a:lvl1pPr>
-            <a:lvl2pPr marL="742950" indent="-285750" algn="l" defTabSz="457200" rtl="0" eaLnBrk="1" latinLnBrk="0" hangingPunct="1">
-              <a:spcBef>
-                <a:spcPct val="20000"/>
-              </a:spcBef>
-              <a:spcAft>
-                <a:spcPts val="600"/>
-              </a:spcAft>
-              <a:buClr>
-                <a:schemeClr val="accent1">
-                  <a:lumMod val="75000"/>
-                </a:schemeClr>
-              </a:buClr>
-              <a:buSzPct val="145000"/>
-              <a:buFont typeface="Arial"/>
-              <a:buChar char="•"/>
-              <a:defRPr sz="2000" kern="1200" cap="none">
-                <a:solidFill>
-                  <a:schemeClr val="tx1"/>
-                </a:solidFill>
-                <a:effectLst/>
-                <a:latin typeface="+mn-lt"/>
-                <a:ea typeface="+mn-ea"/>
-                <a:cs typeface="+mn-cs"/>
-              </a:defRPr>
-            </a:lvl2pPr>
-            <a:lvl3pPr marL="1200150" indent="-285750" algn="l" defTabSz="457200" rtl="0" eaLnBrk="1" latinLnBrk="0" hangingPunct="1">
-              <a:spcBef>
-                <a:spcPct val="20000"/>
-              </a:spcBef>
-              <a:spcAft>
-                <a:spcPts val="600"/>
-              </a:spcAft>
-              <a:buClr>
-                <a:schemeClr val="accent1">
-                  <a:lumMod val="75000"/>
-                </a:schemeClr>
-              </a:buClr>
-              <a:buSzPct val="145000"/>
-              <a:buFont typeface="Arial"/>
-              <a:buChar char="•"/>
-              <a:defRPr sz="1800" kern="1200" cap="none">
-                <a:solidFill>
-                  <a:schemeClr val="tx1"/>
-                </a:solidFill>
-                <a:effectLst/>
-                <a:latin typeface="+mn-lt"/>
-                <a:ea typeface="+mn-ea"/>
-                <a:cs typeface="+mn-cs"/>
-              </a:defRPr>
-            </a:lvl3pPr>
-            <a:lvl4pPr marL="1543050" indent="-171450" algn="l" defTabSz="457200" rtl="0" eaLnBrk="1" latinLnBrk="0" hangingPunct="1">
-              <a:spcBef>
-                <a:spcPct val="20000"/>
-              </a:spcBef>
-              <a:spcAft>
-                <a:spcPts val="600"/>
-              </a:spcAft>
-              <a:buClr>
-                <a:schemeClr val="accent1">
-                  <a:lumMod val="75000"/>
-                </a:schemeClr>
-              </a:buClr>
-              <a:buSzPct val="145000"/>
-              <a:buFont typeface="Arial"/>
-              <a:buChar char="•"/>
-              <a:defRPr sz="1600" kern="1200" cap="none">
-                <a:solidFill>
-                  <a:schemeClr val="tx1"/>
-                </a:solidFill>
-                <a:effectLst/>
-                <a:latin typeface="+mn-lt"/>
-                <a:ea typeface="+mn-ea"/>
-                <a:cs typeface="+mn-cs"/>
-              </a:defRPr>
-            </a:lvl4pPr>
-            <a:lvl5pPr marL="2000250" indent="-171450" algn="l" defTabSz="457200" rtl="0" eaLnBrk="1" latinLnBrk="0" hangingPunct="1">
-              <a:spcBef>
-                <a:spcPct val="20000"/>
-              </a:spcBef>
-              <a:spcAft>
-                <a:spcPts val="600"/>
-              </a:spcAft>
-              <a:buClr>
-                <a:schemeClr val="accent1">
-                  <a:lumMod val="75000"/>
-                </a:schemeClr>
-              </a:buClr>
-              <a:buSzPct val="145000"/>
-              <a:buFont typeface="Arial"/>
-              <a:buChar char="•"/>
-              <a:defRPr sz="1400" kern="1200" cap="none">
-                <a:solidFill>
-                  <a:schemeClr val="tx1"/>
-                </a:solidFill>
-                <a:effectLst/>
-                <a:latin typeface="+mn-lt"/>
-                <a:ea typeface="+mn-ea"/>
-                <a:cs typeface="+mn-cs"/>
-              </a:defRPr>
-            </a:lvl5pPr>
-            <a:lvl6pPr marL="2514600" indent="-228600" algn="l" defTabSz="457200" rtl="0" eaLnBrk="1" latinLnBrk="0" hangingPunct="1">
-              <a:spcBef>
-                <a:spcPct val="20000"/>
-              </a:spcBef>
-              <a:spcAft>
-                <a:spcPts val="600"/>
-              </a:spcAft>
-              <a:buClr>
-                <a:schemeClr val="accent1">
-                  <a:lumMod val="75000"/>
-                </a:schemeClr>
-              </a:buClr>
-              <a:buSzPct val="145000"/>
-              <a:buFont typeface="Arial"/>
-              <a:buChar char="•"/>
-              <a:defRPr sz="1400" kern="1200" cap="none">
-                <a:solidFill>
-                  <a:schemeClr val="tx1"/>
-                </a:solidFill>
-                <a:effectLst/>
-                <a:latin typeface="+mn-lt"/>
-                <a:ea typeface="+mn-ea"/>
-                <a:cs typeface="+mn-cs"/>
-              </a:defRPr>
-            </a:lvl6pPr>
-            <a:lvl7pPr marL="2971800" indent="-228600" algn="l" defTabSz="457200" rtl="0" eaLnBrk="1" latinLnBrk="0" hangingPunct="1">
-              <a:spcBef>
-                <a:spcPct val="20000"/>
-              </a:spcBef>
-              <a:spcAft>
-                <a:spcPts val="600"/>
-              </a:spcAft>
-              <a:buClr>
-                <a:schemeClr val="accent1">
-                  <a:lumMod val="75000"/>
-                </a:schemeClr>
-              </a:buClr>
-              <a:buSzPct val="145000"/>
-              <a:buFont typeface="Arial"/>
-              <a:buChar char="•"/>
-              <a:defRPr sz="1400" kern="1200" cap="none">
-                <a:solidFill>
-                  <a:schemeClr val="tx1"/>
-                </a:solidFill>
-                <a:effectLst/>
-                <a:latin typeface="+mn-lt"/>
-                <a:ea typeface="+mn-ea"/>
-                <a:cs typeface="+mn-cs"/>
-              </a:defRPr>
-            </a:lvl7pPr>
-            <a:lvl8pPr marL="3429000" indent="-228600" algn="l" defTabSz="457200" rtl="0" eaLnBrk="1" latinLnBrk="0" hangingPunct="1">
-              <a:spcBef>
-                <a:spcPct val="20000"/>
-              </a:spcBef>
-              <a:spcAft>
-                <a:spcPts val="600"/>
-              </a:spcAft>
-              <a:buClr>
-                <a:schemeClr val="accent1">
-                  <a:lumMod val="75000"/>
-                </a:schemeClr>
-              </a:buClr>
-              <a:buSzPct val="145000"/>
-              <a:buFont typeface="Arial"/>
-              <a:buChar char="•"/>
-              <a:defRPr sz="1400" kern="1200" cap="none">
-                <a:solidFill>
-                  <a:schemeClr val="tx1"/>
-                </a:solidFill>
-                <a:effectLst/>
-                <a:latin typeface="+mn-lt"/>
-                <a:ea typeface="+mn-ea"/>
-                <a:cs typeface="+mn-cs"/>
-              </a:defRPr>
-            </a:lvl8pPr>
-            <a:lvl9pPr marL="3886200" indent="-228600" algn="l" defTabSz="457200" rtl="0" eaLnBrk="1" latinLnBrk="0" hangingPunct="1">
-              <a:spcBef>
-                <a:spcPct val="20000"/>
-              </a:spcBef>
-              <a:spcAft>
-                <a:spcPts val="600"/>
-              </a:spcAft>
-              <a:buClr>
-                <a:schemeClr val="accent1">
-                  <a:lumMod val="75000"/>
-                </a:schemeClr>
-              </a:buClr>
-              <a:buSzPct val="145000"/>
-              <a:buFont typeface="Arial"/>
-              <a:buChar char="•"/>
-              <a:defRPr sz="1400" kern="1200" cap="none">
-                <a:solidFill>
-                  <a:schemeClr val="tx1"/>
-                </a:solidFill>
-                <a:effectLst/>
-                <a:latin typeface="+mn-lt"/>
-                <a:ea typeface="+mn-ea"/>
-                <a:cs typeface="+mn-cs"/>
-              </a:defRPr>
-            </a:lvl9pPr>
-          </a:lstStyle>
-          <a:p>
-            <a:pPr marL="0" indent="0">
-              <a:buNone/>
-            </a:pPr>
-            <a:r>
-              <a:rPr lang="fr-FR" sz="2800" dirty="0"/>
-              <a:t>Représentant de l’association RIFT « </a:t>
-            </a:r>
-            <a:r>
-              <a:rPr lang="fr-FR" sz="2800" dirty="0" err="1"/>
-              <a:t>revolutionary</a:t>
-            </a:r>
-            <a:r>
-              <a:rPr lang="fr-FR" sz="2800" dirty="0"/>
-              <a:t> </a:t>
-            </a:r>
-            <a:r>
-              <a:rPr lang="fr-FR" sz="2800" dirty="0" smtClean="0"/>
-              <a:t>		</a:t>
-            </a:r>
-            <a:r>
-              <a:rPr lang="fr-FR" sz="2800" dirty="0" err="1" smtClean="0"/>
-              <a:t>independence</a:t>
-            </a:r>
-            <a:r>
-              <a:rPr lang="fr-FR" sz="2800" dirty="0" smtClean="0"/>
-              <a:t> </a:t>
-            </a:r>
-            <a:r>
-              <a:rPr lang="fr-FR" sz="2800" dirty="0" err="1"/>
-              <a:t>from</a:t>
-            </a:r>
-            <a:r>
-              <a:rPr lang="fr-FR" sz="2800" dirty="0"/>
-              <a:t> </a:t>
-            </a:r>
-            <a:r>
-              <a:rPr lang="fr-FR" sz="2800" dirty="0" err="1"/>
-              <a:t>technology</a:t>
-            </a:r>
-            <a:r>
-              <a:rPr lang="fr-FR" sz="2800" dirty="0"/>
-              <a:t> ».</a:t>
-            </a:r>
-          </a:p>
-        </p:txBody>
-      </p:sp>
-      <p:sp>
-        <p:nvSpPr>
-          <p:cNvPr id="5" name="Espace réservé du numéro de diapositive 4"/>
-          <p:cNvSpPr>
-            <a:spLocks noGrp="1"/>
-          </p:cNvSpPr>
-          <p:nvPr>
-            <p:ph type="sldNum" sz="quarter" idx="12"/>
-          </p:nvPr>
-        </p:nvSpPr>
-        <p:spPr/>
-        <p:txBody>
-          <a:bodyPr/>
-          <a:lstStyle/>
-          <a:p>
-            <a:fld id="{D57F1E4F-1CFF-5643-939E-217C01CDF565}" type="slidenum">
-              <a:rPr lang="en-US" smtClean="0"/>
-              <a:pPr/>
-              <a:t>9</a:t>
-            </a:fld>
-            <a:endParaRPr lang="en-US" dirty="0"/>
-          </a:p>
-        </p:txBody>
-      </p:sp>
-    </p:spTree>
-    <p:extLst>
-      <p:ext uri="{BB962C8B-B14F-4D97-AF65-F5344CB8AC3E}">
-        <p14:creationId xmlns:p14="http://schemas.microsoft.com/office/powerpoint/2010/main" val="11291707"/>
-      </p:ext>
-    </p:extLst>
-  </p:cSld>
-  <p:clrMapOvr>
-    <a:masterClrMapping/>
-  </p:clrMapOvr>
-  <mc:AlternateContent xmlns:mc="http://schemas.openxmlformats.org/markup-compatibility/2006" xmlns:p14="http://schemas.microsoft.com/office/powerpoint/2010/main">
-    <mc:Choice Requires="p14">
-      <p:transition spd="slow" p14:dur="2900">
-        <p14:glitter pattern="hexagon"/>
-      </p:transition>
-    </mc:Choice>
-    <mc:Fallback xmlns="">
+    <mc:Fallback>
       <p:transition spd="slow">
         <p:fade/>
       </p:transition>
